--- a/templates/Bulk Template.pptx
+++ b/templates/Bulk Template.pptx
@@ -78,7 +78,7 @@
         <p:txBody>
           <a:bodyPr/>
           <a:p>
-            <a:fld id="{2D5AE4F1-8393-45BA-9283-FB0DF0537CA2}" type="slidenum">
+            <a:fld id="{AB66529F-D59D-41FC-AFED-9DA6CA723784}" type="slidenum">
               <a:t>&lt;#&gt;</a:t>
             </a:fld>
           </a:p>
@@ -287,7 +287,7 @@
         <p:txBody>
           <a:bodyPr/>
           <a:p>
-            <a:fld id="{55D3203B-B789-4194-AB04-FF553968FA67}" type="slidenum">
+            <a:fld id="{EB267C96-620B-4C0E-A162-90EDB5082002}" type="slidenum">
               <a:t>&lt;#&gt;</a:t>
             </a:fld>
           </a:p>
@@ -582,7 +582,7 @@
         <p:txBody>
           <a:bodyPr/>
           <a:p>
-            <a:fld id="{7BDDA0C7-9F28-4806-BD7A-D635C55DEC32}" type="slidenum">
+            <a:fld id="{D12071F3-8E0E-4C46-9453-06A1F9948A80}" type="slidenum">
               <a:t>&lt;#&gt;</a:t>
             </a:fld>
           </a:p>
@@ -963,7 +963,7 @@
         <p:txBody>
           <a:bodyPr/>
           <a:p>
-            <a:fld id="{EFA748EA-0812-45CB-9369-62BB470AC7C1}" type="slidenum">
+            <a:fld id="{461A2E66-7C9C-48B7-AA81-7D93846BAA57}" type="slidenum">
               <a:t>&lt;#&gt;</a:t>
             </a:fld>
           </a:p>
@@ -1126,7 +1126,7 @@
         <p:txBody>
           <a:bodyPr/>
           <a:p>
-            <a:fld id="{EAD45BA9-C520-4E16-B06A-3687A912E142}" type="slidenum">
+            <a:fld id="{56A16054-1A06-4B88-BBE3-28E61E0D9616}" type="slidenum">
               <a:t>&lt;#&gt;</a:t>
             </a:fld>
           </a:p>
@@ -1292,7 +1292,7 @@
         <p:txBody>
           <a:bodyPr/>
           <a:p>
-            <a:fld id="{544FC332-CE79-41F3-83C8-7CE140C4303E}" type="slidenum">
+            <a:fld id="{2C2EB64D-98BC-47B0-BAB0-842CEF2CDFAE}" type="slidenum">
               <a:t>&lt;#&gt;</a:t>
             </a:fld>
           </a:p>
@@ -1501,7 +1501,7 @@
         <p:txBody>
           <a:bodyPr/>
           <a:p>
-            <a:fld id="{E4314D90-A1DB-40D6-AC6C-8BCFFB4F627C}" type="slidenum">
+            <a:fld id="{BC508748-FB21-48A4-AD50-81222FF5A904}" type="slidenum">
               <a:t>&lt;#&gt;</a:t>
             </a:fld>
           </a:p>
@@ -1624,7 +1624,7 @@
         <p:txBody>
           <a:bodyPr/>
           <a:p>
-            <a:fld id="{9666197D-C511-4EF9-8DE6-9998B21D7AC6}" type="slidenum">
+            <a:fld id="{E26BCAEE-FA0A-44EF-B1CE-2A59F96684C9}" type="slidenum">
               <a:t>&lt;#&gt;</a:t>
             </a:fld>
           </a:p>
@@ -1745,7 +1745,7 @@
         <p:txBody>
           <a:bodyPr/>
           <a:p>
-            <a:fld id="{FFC04A79-2E0A-4A9B-BA45-658E28AECE66}" type="slidenum">
+            <a:fld id="{95AA4AF1-BAEA-44F5-A519-C19EBD7C0A07}" type="slidenum">
               <a:t>&lt;#&gt;</a:t>
             </a:fld>
           </a:p>
@@ -1997,7 +1997,7 @@
         <p:txBody>
           <a:bodyPr/>
           <a:p>
-            <a:fld id="{01E03982-B4C5-4F76-9013-C0D88D83A175}" type="slidenum">
+            <a:fld id="{4B986FFE-569B-4136-B90D-88DE52357DF0}" type="slidenum">
               <a:t>&lt;#&gt;</a:t>
             </a:fld>
           </a:p>
@@ -2249,7 +2249,7 @@
         <p:txBody>
           <a:bodyPr/>
           <a:p>
-            <a:fld id="{A48608BD-C3DF-4BFE-A402-1913F5D5FA24}" type="slidenum">
+            <a:fld id="{FF621413-9179-46B6-80FC-08664096977E}" type="slidenum">
               <a:t>&lt;#&gt;</a:t>
             </a:fld>
           </a:p>
@@ -2501,7 +2501,7 @@
         <p:txBody>
           <a:bodyPr/>
           <a:p>
-            <a:fld id="{F8E036B8-7ABC-422D-87D9-3661B995BF28}" type="slidenum">
+            <a:fld id="{3513FA97-16D9-4448-9FE5-3DE7C2AB4F26}" type="slidenum">
               <a:t>&lt;#&gt;</a:t>
             </a:fld>
           </a:p>
@@ -2570,7 +2570,7 @@
         <p:spPr>
           <a:xfrm>
             <a:off x="2742840" y="10443960"/>
-            <a:ext cx="2791080" cy="596160"/>
+            <a:ext cx="2790720" cy="595800"/>
           </a:xfrm>
           <a:prstGeom prst="rect">
             <a:avLst/>
@@ -2618,7 +2618,7 @@
                 </a:solidFill>
                 <a:latin typeface="Times New Roman"/>
               </a:rPr>
-              <a:t> </a:t>
+              <a:t>&lt;footer&gt;</a:t>
             </a:r>
             <a:endParaRPr b="0" lang="en-AU" sz="1400" spc="-1" strike="noStrike">
               <a:solidFill>
@@ -2642,7 +2642,7 @@
         <p:spPr>
           <a:xfrm>
             <a:off x="5848200" y="10443960"/>
-            <a:ext cx="1859400" cy="596160"/>
+            <a:ext cx="1859040" cy="595800"/>
           </a:xfrm>
           <a:prstGeom prst="rect">
             <a:avLst/>
@@ -2684,7 +2684,7 @@
                 <a:tab algn="l" pos="0"/>
               </a:tabLst>
             </a:pPr>
-            <a:fld id="{683DFDC4-519C-4F14-8ADC-A8060EF8C721}" type="slidenum">
+            <a:fld id="{9473CC08-6EA8-49B3-89DA-E9CCF22984CC}" type="slidenum">
               <a:rPr b="0" lang="en-AU" sz="1090" spc="-1" strike="noStrike">
                 <a:solidFill>
                   <a:srgbClr val="888888"/>
@@ -2692,7 +2692,7 @@
                 <a:latin typeface="Calibri"/>
                 <a:ea typeface="Calibri"/>
               </a:rPr>
-              <a:t>16</a:t>
+              <a:t>&lt;number&gt;</a:t>
             </a:fld>
             <a:endParaRPr b="0" lang="en-AU" sz="1090" spc="-1" strike="noStrike">
               <a:solidFill>
@@ -2716,7 +2716,7 @@
         <p:spPr>
           <a:xfrm>
             <a:off x="569160" y="10443960"/>
-            <a:ext cx="1859400" cy="596160"/>
+            <a:ext cx="1859040" cy="595800"/>
           </a:xfrm>
           <a:prstGeom prst="rect">
             <a:avLst/>
@@ -2752,7 +2752,7 @@
                 </a:solidFill>
                 <a:latin typeface="Times New Roman"/>
               </a:rPr>
-              <a:t> </a:t>
+              <a:t>&lt;date/time&gt;</a:t>
             </a:r>
             <a:endParaRPr b="0" lang="en-AU" sz="1400" spc="-1" strike="noStrike">
               <a:solidFill>
@@ -3086,8 +3086,8 @@
         </p:blipFill>
         <p:spPr>
           <a:xfrm rot="5400000">
-            <a:off x="-1036440" y="2157120"/>
-            <a:ext cx="10509480" cy="7115040"/>
+            <a:off x="-1035720" y="2157120"/>
+            <a:ext cx="10509120" cy="7114680"/>
           </a:xfrm>
           <a:prstGeom prst="rect">
             <a:avLst/>
@@ -3110,7 +3110,7 @@
         <p:spPr>
           <a:xfrm>
             <a:off x="714240" y="723960"/>
-            <a:ext cx="6700320" cy="9797760"/>
+            <a:ext cx="6699960" cy="9797400"/>
           </a:xfrm>
           <a:prstGeom prst="rect">
             <a:avLst/>
@@ -3133,8 +3133,8 @@
         </p:blipFill>
         <p:spPr>
           <a:xfrm rot="5400000">
-            <a:off x="-1505520" y="1474200"/>
-            <a:ext cx="11296800" cy="8276760"/>
+            <a:off x="-1504800" y="1473840"/>
+            <a:ext cx="11296440" cy="8276400"/>
           </a:xfrm>
           <a:prstGeom prst="rect">
             <a:avLst/>
@@ -3157,7 +3157,7 @@
         <p:spPr>
           <a:xfrm>
             <a:off x="1814040" y="8340840"/>
-            <a:ext cx="1440720" cy="1256760"/>
+            <a:ext cx="1440360" cy="1256400"/>
           </a:xfrm>
           <a:prstGeom prst="rect">
             <a:avLst/>
@@ -3176,7 +3176,7 @@
         <p:spPr>
           <a:xfrm>
             <a:off x="712800" y="3028320"/>
-            <a:ext cx="6723000" cy="1064160"/>
+            <a:ext cx="6722640" cy="1064160"/>
           </a:xfrm>
           <a:prstGeom prst="rect">
             <a:avLst/>
@@ -3233,7 +3233,7 @@
         <p:spPr>
           <a:xfrm>
             <a:off x="1390680" y="4144320"/>
-            <a:ext cx="5369400" cy="638280"/>
+            <a:ext cx="5369040" cy="638280"/>
           </a:xfrm>
           <a:prstGeom prst="rect">
             <a:avLst/>
@@ -3290,7 +3290,7 @@
         <p:spPr>
           <a:xfrm>
             <a:off x="2985840" y="8685000"/>
-            <a:ext cx="4282200" cy="591840"/>
+            <a:ext cx="4281840" cy="591840"/>
           </a:xfrm>
           <a:prstGeom prst="rect">
             <a:avLst/>
@@ -3373,7 +3373,7 @@
         <p:spPr>
           <a:xfrm>
             <a:off x="3721320" y="8197200"/>
-            <a:ext cx="2938320" cy="516240"/>
+            <a:ext cx="2937960" cy="516240"/>
           </a:xfrm>
           <a:prstGeom prst="rect">
             <a:avLst/>
@@ -3410,7 +3410,7 @@
                 <a:latin typeface="Courgette"/>
                 <a:ea typeface="Courgette"/>
               </a:rPr>
-              <a:t>MAJ {signaturer}</a:t>
+              <a:t>MAJ{signaturer}</a:t>
             </a:r>
             <a:endParaRPr b="0" lang="en-AU" sz="2800" spc="-1" strike="noStrike">
               <a:solidFill>
@@ -3430,7 +3430,7 @@
         <p:spPr>
           <a:xfrm flipH="1">
             <a:off x="3720960" y="8684280"/>
-            <a:ext cx="2817720" cy="3600"/>
+            <a:ext cx="2818080" cy="3960"/>
           </a:xfrm>
           <a:prstGeom prst="straightConnector1">
             <a:avLst/>
@@ -3452,7 +3452,7 @@
         <p:spPr>
           <a:xfrm>
             <a:off x="889200" y="5752800"/>
-            <a:ext cx="6496200" cy="699480"/>
+            <a:ext cx="6495840" cy="699480"/>
           </a:xfrm>
           <a:prstGeom prst="rect">
             <a:avLst/>
@@ -3549,7 +3549,7 @@
         <p:spPr>
           <a:xfrm>
             <a:off x="817920" y="6433920"/>
-            <a:ext cx="6496200" cy="577080"/>
+            <a:ext cx="6495840" cy="577080"/>
           </a:xfrm>
           <a:prstGeom prst="rect">
             <a:avLst/>
@@ -3606,7 +3606,7 @@
         <p:spPr>
           <a:xfrm>
             <a:off x="886320" y="7030440"/>
-            <a:ext cx="6496200" cy="394560"/>
+            <a:ext cx="6495840" cy="394560"/>
           </a:xfrm>
           <a:prstGeom prst="rect">
             <a:avLst/>
@@ -3693,7 +3693,7 @@
         <p:spPr>
           <a:xfrm>
             <a:off x="817920" y="4791600"/>
-            <a:ext cx="6496200" cy="1004400"/>
+            <a:ext cx="6495840" cy="1004400"/>
           </a:xfrm>
           <a:prstGeom prst="rect">
             <a:avLst/>
@@ -3764,7 +3764,7 @@
         <p:spPr>
           <a:xfrm>
             <a:off x="2922480" y="1274040"/>
-            <a:ext cx="2284200" cy="1603800"/>
+            <a:ext cx="2283840" cy="1603440"/>
           </a:xfrm>
           <a:prstGeom prst="rect">
             <a:avLst/>
@@ -3816,8 +3816,8 @@
         </p:blipFill>
         <p:spPr>
           <a:xfrm rot="5400000">
-            <a:off x="-1114920" y="2058480"/>
-            <a:ext cx="10509480" cy="7115040"/>
+            <a:off x="-1114200" y="2058480"/>
+            <a:ext cx="10509120" cy="7114680"/>
           </a:xfrm>
           <a:prstGeom prst="rect">
             <a:avLst/>
@@ -3840,7 +3840,7 @@
         <p:spPr>
           <a:xfrm>
             <a:off x="712800" y="723600"/>
-            <a:ext cx="6701400" cy="9801000"/>
+            <a:ext cx="6701040" cy="9800640"/>
           </a:xfrm>
           <a:prstGeom prst="rect">
             <a:avLst/>
@@ -3863,8 +3863,8 @@
         </p:blipFill>
         <p:spPr>
           <a:xfrm rot="5400000">
-            <a:off x="-1503000" y="1474200"/>
-            <a:ext cx="11296800" cy="8276760"/>
+            <a:off x="-1502280" y="1473840"/>
+            <a:ext cx="11296440" cy="8276400"/>
           </a:xfrm>
           <a:prstGeom prst="rect">
             <a:avLst/>
@@ -3887,7 +3887,7 @@
         <p:spPr>
           <a:xfrm>
             <a:off x="1814400" y="8354520"/>
-            <a:ext cx="1440720" cy="1256760"/>
+            <a:ext cx="1440360" cy="1256400"/>
           </a:xfrm>
           <a:prstGeom prst="rect">
             <a:avLst/>
@@ -3906,7 +3906,7 @@
         <p:spPr>
           <a:xfrm>
             <a:off x="705600" y="3553200"/>
-            <a:ext cx="6723720" cy="577080"/>
+            <a:ext cx="6723360" cy="577080"/>
           </a:xfrm>
           <a:prstGeom prst="rect">
             <a:avLst/>
@@ -3963,7 +3963,7 @@
         <p:spPr>
           <a:xfrm>
             <a:off x="1454400" y="4124520"/>
-            <a:ext cx="5369400" cy="638280"/>
+            <a:ext cx="5369040" cy="638280"/>
           </a:xfrm>
           <a:prstGeom prst="rect">
             <a:avLst/>
@@ -4020,7 +4020,7 @@
         <p:spPr>
           <a:xfrm>
             <a:off x="2985840" y="8685000"/>
-            <a:ext cx="4280040" cy="591840"/>
+            <a:ext cx="4279680" cy="591840"/>
           </a:xfrm>
           <a:prstGeom prst="rect">
             <a:avLst/>
@@ -4113,7 +4113,7 @@
         <p:spPr>
           <a:xfrm>
             <a:off x="3722400" y="8210520"/>
-            <a:ext cx="3117240" cy="516240"/>
+            <a:ext cx="3116880" cy="516240"/>
           </a:xfrm>
           <a:prstGeom prst="rect">
             <a:avLst/>
@@ -4150,7 +4150,7 @@
                 <a:latin typeface="Courgette"/>
                 <a:ea typeface="Courgette"/>
               </a:rPr>
-              <a:t>MAJ  {signaturer}</a:t>
+              <a:t>MAJ {signaturer}</a:t>
             </a:r>
             <a:endParaRPr b="0" lang="en-AU" sz="2800" spc="-1" strike="noStrike">
               <a:solidFill>
@@ -4170,7 +4170,7 @@
         <p:spPr>
           <a:xfrm flipH="1">
             <a:off x="3722400" y="8696520"/>
-            <a:ext cx="2817720" cy="3600"/>
+            <a:ext cx="2818080" cy="3960"/>
           </a:xfrm>
           <a:prstGeom prst="straightConnector1">
             <a:avLst/>
@@ -4192,7 +4192,7 @@
         <p:spPr>
           <a:xfrm>
             <a:off x="885600" y="5668920"/>
-            <a:ext cx="6496200" cy="699480"/>
+            <a:ext cx="6495840" cy="699480"/>
           </a:xfrm>
           <a:prstGeom prst="rect">
             <a:avLst/>
@@ -4289,7 +4289,7 @@
         <p:spPr>
           <a:xfrm>
             <a:off x="817920" y="6433920"/>
-            <a:ext cx="6496200" cy="577080"/>
+            <a:ext cx="6495840" cy="577080"/>
           </a:xfrm>
           <a:prstGeom prst="rect">
             <a:avLst/>
@@ -4346,7 +4346,7 @@
         <p:spPr>
           <a:xfrm>
             <a:off x="874800" y="7119720"/>
-            <a:ext cx="6496200" cy="699480"/>
+            <a:ext cx="6495840" cy="699480"/>
           </a:xfrm>
           <a:prstGeom prst="rect">
             <a:avLst/>
@@ -4449,7 +4449,7 @@
         <p:spPr>
           <a:xfrm>
             <a:off x="896400" y="4833720"/>
-            <a:ext cx="6496200" cy="699480"/>
+            <a:ext cx="6495840" cy="699480"/>
           </a:xfrm>
           <a:prstGeom prst="rect">
             <a:avLst/>
@@ -4533,7 +4533,7 @@
         <p:spPr>
           <a:xfrm>
             <a:off x="3147480" y="1544760"/>
-            <a:ext cx="1824120" cy="1511640"/>
+            <a:ext cx="1823760" cy="1511280"/>
           </a:xfrm>
           <a:prstGeom prst="rect">
             <a:avLst/>
@@ -4585,8 +4585,8 @@
         </p:blipFill>
         <p:spPr>
           <a:xfrm rot="5400000">
-            <a:off x="-1114920" y="2058480"/>
-            <a:ext cx="10509480" cy="7115040"/>
+            <a:off x="-1114200" y="2058480"/>
+            <a:ext cx="10509120" cy="7114680"/>
           </a:xfrm>
           <a:prstGeom prst="rect">
             <a:avLst/>
@@ -4609,7 +4609,7 @@
         <p:spPr>
           <a:xfrm>
             <a:off x="712800" y="723600"/>
-            <a:ext cx="6701400" cy="9801000"/>
+            <a:ext cx="6701040" cy="9800640"/>
           </a:xfrm>
           <a:prstGeom prst="rect">
             <a:avLst/>
@@ -4632,8 +4632,8 @@
         </p:blipFill>
         <p:spPr>
           <a:xfrm rot="5400000">
-            <a:off x="-1503000" y="1474200"/>
-            <a:ext cx="11296800" cy="8276760"/>
+            <a:off x="-1502280" y="1473840"/>
+            <a:ext cx="11296440" cy="8276400"/>
           </a:xfrm>
           <a:prstGeom prst="rect">
             <a:avLst/>
@@ -4656,7 +4656,7 @@
         <p:spPr>
           <a:xfrm>
             <a:off x="1814400" y="8354520"/>
-            <a:ext cx="1440720" cy="1256760"/>
+            <a:ext cx="1440360" cy="1256400"/>
           </a:xfrm>
           <a:prstGeom prst="rect">
             <a:avLst/>
@@ -4675,7 +4675,7 @@
         <p:spPr>
           <a:xfrm>
             <a:off x="705600" y="3553200"/>
-            <a:ext cx="6723720" cy="577080"/>
+            <a:ext cx="6723360" cy="577080"/>
           </a:xfrm>
           <a:prstGeom prst="rect">
             <a:avLst/>
@@ -4732,7 +4732,7 @@
         <p:spPr>
           <a:xfrm>
             <a:off x="1454400" y="4124520"/>
-            <a:ext cx="5369400" cy="638280"/>
+            <a:ext cx="5369040" cy="638280"/>
           </a:xfrm>
           <a:prstGeom prst="rect">
             <a:avLst/>
@@ -4789,7 +4789,7 @@
         <p:spPr>
           <a:xfrm>
             <a:off x="2985840" y="8685000"/>
-            <a:ext cx="4280040" cy="591840"/>
+            <a:ext cx="4279680" cy="591840"/>
           </a:xfrm>
           <a:prstGeom prst="rect">
             <a:avLst/>
@@ -4872,7 +4872,7 @@
         <p:spPr>
           <a:xfrm>
             <a:off x="3722400" y="8210520"/>
-            <a:ext cx="3117240" cy="516240"/>
+            <a:ext cx="3116880" cy="516240"/>
           </a:xfrm>
           <a:prstGeom prst="rect">
             <a:avLst/>
@@ -4909,7 +4909,7 @@
                 <a:latin typeface="Courgette"/>
                 <a:ea typeface="Courgette"/>
               </a:rPr>
-              <a:t>MAJ  {signaturer}</a:t>
+              <a:t>MAJ {signaturer}</a:t>
             </a:r>
             <a:endParaRPr b="0" lang="en-AU" sz="2800" spc="-1" strike="noStrike">
               <a:solidFill>
@@ -4929,7 +4929,7 @@
         <p:spPr>
           <a:xfrm flipH="1">
             <a:off x="3722400" y="8696520"/>
-            <a:ext cx="2817720" cy="3600"/>
+            <a:ext cx="2818080" cy="3960"/>
           </a:xfrm>
           <a:prstGeom prst="straightConnector1">
             <a:avLst/>
@@ -4951,7 +4951,7 @@
         <p:spPr>
           <a:xfrm>
             <a:off x="885600" y="5668920"/>
-            <a:ext cx="6496200" cy="699480"/>
+            <a:ext cx="6495840" cy="699480"/>
           </a:xfrm>
           <a:prstGeom prst="rect">
             <a:avLst/>
@@ -5048,7 +5048,7 @@
         <p:spPr>
           <a:xfrm>
             <a:off x="817920" y="6433920"/>
-            <a:ext cx="6496200" cy="577080"/>
+            <a:ext cx="6495840" cy="577080"/>
           </a:xfrm>
           <a:prstGeom prst="rect">
             <a:avLst/>
@@ -5105,7 +5105,7 @@
         <p:spPr>
           <a:xfrm>
             <a:off x="874800" y="7119720"/>
-            <a:ext cx="6496200" cy="699480"/>
+            <a:ext cx="6495840" cy="699480"/>
           </a:xfrm>
           <a:prstGeom prst="rect">
             <a:avLst/>
@@ -5208,7 +5208,7 @@
         <p:spPr>
           <a:xfrm>
             <a:off x="896400" y="4833720"/>
-            <a:ext cx="6496200" cy="699480"/>
+            <a:ext cx="6495840" cy="699480"/>
           </a:xfrm>
           <a:prstGeom prst="rect">
             <a:avLst/>
@@ -5292,7 +5292,7 @@
         <p:spPr>
           <a:xfrm>
             <a:off x="3101400" y="1388880"/>
-            <a:ext cx="1926720" cy="1926720"/>
+            <a:ext cx="1926360" cy="1926360"/>
           </a:xfrm>
           <a:prstGeom prst="rect">
             <a:avLst/>
@@ -5344,8 +5344,8 @@
         </p:blipFill>
         <p:spPr>
           <a:xfrm rot="5400000">
-            <a:off x="-1114920" y="2058480"/>
-            <a:ext cx="10509480" cy="7115040"/>
+            <a:off x="-1114200" y="2058480"/>
+            <a:ext cx="10509120" cy="7114680"/>
           </a:xfrm>
           <a:prstGeom prst="rect">
             <a:avLst/>
@@ -5368,7 +5368,7 @@
         <p:spPr>
           <a:xfrm>
             <a:off x="712800" y="723600"/>
-            <a:ext cx="6701400" cy="9801000"/>
+            <a:ext cx="6701040" cy="9800640"/>
           </a:xfrm>
           <a:prstGeom prst="rect">
             <a:avLst/>
@@ -5391,8 +5391,8 @@
         </p:blipFill>
         <p:spPr>
           <a:xfrm rot="5400000">
-            <a:off x="-1503000" y="1474200"/>
-            <a:ext cx="11296800" cy="8276760"/>
+            <a:off x="-1502280" y="1473840"/>
+            <a:ext cx="11296440" cy="8276400"/>
           </a:xfrm>
           <a:prstGeom prst="rect">
             <a:avLst/>
@@ -5415,7 +5415,7 @@
         <p:spPr>
           <a:xfrm>
             <a:off x="1814400" y="8354520"/>
-            <a:ext cx="1440720" cy="1256760"/>
+            <a:ext cx="1440360" cy="1256400"/>
           </a:xfrm>
           <a:prstGeom prst="rect">
             <a:avLst/>
@@ -5434,7 +5434,7 @@
         <p:spPr>
           <a:xfrm>
             <a:off x="705600" y="3553200"/>
-            <a:ext cx="6723720" cy="577080"/>
+            <a:ext cx="6723360" cy="577080"/>
           </a:xfrm>
           <a:prstGeom prst="rect">
             <a:avLst/>
@@ -5491,7 +5491,7 @@
         <p:spPr>
           <a:xfrm>
             <a:off x="1454400" y="4124520"/>
-            <a:ext cx="5369400" cy="638280"/>
+            <a:ext cx="5369040" cy="638280"/>
           </a:xfrm>
           <a:prstGeom prst="rect">
             <a:avLst/>
@@ -5548,7 +5548,7 @@
         <p:spPr>
           <a:xfrm>
             <a:off x="2985840" y="8685000"/>
-            <a:ext cx="4280040" cy="591840"/>
+            <a:ext cx="4279680" cy="591840"/>
           </a:xfrm>
           <a:prstGeom prst="rect">
             <a:avLst/>
@@ -5641,7 +5641,7 @@
         <p:spPr>
           <a:xfrm>
             <a:off x="3722400" y="8210520"/>
-            <a:ext cx="3117240" cy="516240"/>
+            <a:ext cx="3116880" cy="516240"/>
           </a:xfrm>
           <a:prstGeom prst="rect">
             <a:avLst/>
@@ -5678,7 +5678,7 @@
                 <a:latin typeface="Courgette"/>
                 <a:ea typeface="Courgette"/>
               </a:rPr>
-              <a:t>MAJ  {signaturer}</a:t>
+              <a:t>MAJ {signaturer}</a:t>
             </a:r>
             <a:endParaRPr b="0" lang="en-AU" sz="2800" spc="-1" strike="noStrike">
               <a:solidFill>
@@ -5698,7 +5698,7 @@
         <p:spPr>
           <a:xfrm flipH="1">
             <a:off x="3722400" y="8696520"/>
-            <a:ext cx="2817720" cy="3600"/>
+            <a:ext cx="2818080" cy="3960"/>
           </a:xfrm>
           <a:prstGeom prst="straightConnector1">
             <a:avLst/>
@@ -5720,7 +5720,7 @@
         <p:spPr>
           <a:xfrm>
             <a:off x="885600" y="5668920"/>
-            <a:ext cx="6496200" cy="699480"/>
+            <a:ext cx="6495840" cy="699480"/>
           </a:xfrm>
           <a:prstGeom prst="rect">
             <a:avLst/>
@@ -5817,7 +5817,7 @@
         <p:spPr>
           <a:xfrm>
             <a:off x="817920" y="6433920"/>
-            <a:ext cx="6496200" cy="577080"/>
+            <a:ext cx="6495840" cy="577080"/>
           </a:xfrm>
           <a:prstGeom prst="rect">
             <a:avLst/>
@@ -5874,7 +5874,7 @@
         <p:spPr>
           <a:xfrm>
             <a:off x="874800" y="7119720"/>
-            <a:ext cx="6496200" cy="699480"/>
+            <a:ext cx="6495840" cy="699480"/>
           </a:xfrm>
           <a:prstGeom prst="rect">
             <a:avLst/>
@@ -5977,7 +5977,7 @@
         <p:spPr>
           <a:xfrm>
             <a:off x="896400" y="4833720"/>
-            <a:ext cx="6496200" cy="699480"/>
+            <a:ext cx="6495840" cy="699480"/>
           </a:xfrm>
           <a:prstGeom prst="rect">
             <a:avLst/>
@@ -6061,7 +6061,7 @@
         <p:spPr>
           <a:xfrm>
             <a:off x="3057120" y="1412280"/>
-            <a:ext cx="2015280" cy="1621800"/>
+            <a:ext cx="2014920" cy="1621440"/>
           </a:xfrm>
           <a:prstGeom prst="rect">
             <a:avLst/>
@@ -6113,8 +6113,8 @@
         </p:blipFill>
         <p:spPr>
           <a:xfrm rot="5400000">
-            <a:off x="-1114920" y="2058480"/>
-            <a:ext cx="10509480" cy="7115040"/>
+            <a:off x="-1114200" y="2058480"/>
+            <a:ext cx="10509120" cy="7114680"/>
           </a:xfrm>
           <a:prstGeom prst="rect">
             <a:avLst/>
@@ -6137,7 +6137,7 @@
         <p:spPr>
           <a:xfrm>
             <a:off x="712800" y="723600"/>
-            <a:ext cx="6701400" cy="9801000"/>
+            <a:ext cx="6701040" cy="9800640"/>
           </a:xfrm>
           <a:prstGeom prst="rect">
             <a:avLst/>
@@ -6160,8 +6160,8 @@
         </p:blipFill>
         <p:spPr>
           <a:xfrm rot="5400000">
-            <a:off x="-1503000" y="1474200"/>
-            <a:ext cx="11296800" cy="8276760"/>
+            <a:off x="-1502280" y="1473840"/>
+            <a:ext cx="11296440" cy="8276400"/>
           </a:xfrm>
           <a:prstGeom prst="rect">
             <a:avLst/>
@@ -6184,7 +6184,7 @@
         <p:spPr>
           <a:xfrm>
             <a:off x="1814400" y="8354520"/>
-            <a:ext cx="1440720" cy="1256760"/>
+            <a:ext cx="1440360" cy="1256400"/>
           </a:xfrm>
           <a:prstGeom prst="rect">
             <a:avLst/>
@@ -6203,7 +6203,7 @@
         <p:spPr>
           <a:xfrm>
             <a:off x="705600" y="3553200"/>
-            <a:ext cx="6723720" cy="577080"/>
+            <a:ext cx="6723360" cy="577080"/>
           </a:xfrm>
           <a:prstGeom prst="rect">
             <a:avLst/>
@@ -6260,7 +6260,7 @@
         <p:spPr>
           <a:xfrm>
             <a:off x="1454400" y="4124520"/>
-            <a:ext cx="5369400" cy="638280"/>
+            <a:ext cx="5369040" cy="638280"/>
           </a:xfrm>
           <a:prstGeom prst="rect">
             <a:avLst/>
@@ -6317,7 +6317,7 @@
         <p:spPr>
           <a:xfrm>
             <a:off x="2985840" y="8685000"/>
-            <a:ext cx="4280040" cy="591840"/>
+            <a:ext cx="4279680" cy="591840"/>
           </a:xfrm>
           <a:prstGeom prst="rect">
             <a:avLst/>
@@ -6410,7 +6410,7 @@
         <p:spPr>
           <a:xfrm>
             <a:off x="3722400" y="8210520"/>
-            <a:ext cx="3117240" cy="516240"/>
+            <a:ext cx="3116880" cy="516240"/>
           </a:xfrm>
           <a:prstGeom prst="rect">
             <a:avLst/>
@@ -6447,7 +6447,7 @@
                 <a:latin typeface="Courgette"/>
                 <a:ea typeface="Courgette"/>
               </a:rPr>
-              <a:t>MAJ  {signaturer}</a:t>
+              <a:t>MAJ {signaturer}</a:t>
             </a:r>
             <a:endParaRPr b="0" lang="en-AU" sz="2800" spc="-1" strike="noStrike">
               <a:solidFill>
@@ -6467,7 +6467,7 @@
         <p:spPr>
           <a:xfrm flipH="1">
             <a:off x="3722400" y="8696520"/>
-            <a:ext cx="2817720" cy="3600"/>
+            <a:ext cx="2818080" cy="3960"/>
           </a:xfrm>
           <a:prstGeom prst="straightConnector1">
             <a:avLst/>
@@ -6489,7 +6489,7 @@
         <p:spPr>
           <a:xfrm>
             <a:off x="885600" y="5668920"/>
-            <a:ext cx="6496200" cy="699480"/>
+            <a:ext cx="6495840" cy="699480"/>
           </a:xfrm>
           <a:prstGeom prst="rect">
             <a:avLst/>
@@ -6586,7 +6586,7 @@
         <p:spPr>
           <a:xfrm>
             <a:off x="817920" y="6433920"/>
-            <a:ext cx="6496200" cy="577080"/>
+            <a:ext cx="6495840" cy="577080"/>
           </a:xfrm>
           <a:prstGeom prst="rect">
             <a:avLst/>
@@ -6643,7 +6643,7 @@
         <p:spPr>
           <a:xfrm>
             <a:off x="874800" y="7119720"/>
-            <a:ext cx="6496200" cy="699480"/>
+            <a:ext cx="6495840" cy="699480"/>
           </a:xfrm>
           <a:prstGeom prst="rect">
             <a:avLst/>
@@ -6766,7 +6766,7 @@
         <p:spPr>
           <a:xfrm>
             <a:off x="896400" y="4833720"/>
-            <a:ext cx="6496200" cy="699480"/>
+            <a:ext cx="6495840" cy="699480"/>
           </a:xfrm>
           <a:prstGeom prst="rect">
             <a:avLst/>
@@ -6850,7 +6850,7 @@
         <p:spPr>
           <a:xfrm>
             <a:off x="3088800" y="1587600"/>
-            <a:ext cx="1951920" cy="1240920"/>
+            <a:ext cx="1951560" cy="1240560"/>
           </a:xfrm>
           <a:prstGeom prst="rect">
             <a:avLst/>
@@ -6902,8 +6902,8 @@
         </p:blipFill>
         <p:spPr>
           <a:xfrm rot="5400000">
-            <a:off x="-1114920" y="2058480"/>
-            <a:ext cx="10509480" cy="7115040"/>
+            <a:off x="-1114200" y="2058480"/>
+            <a:ext cx="10509120" cy="7114680"/>
           </a:xfrm>
           <a:prstGeom prst="rect">
             <a:avLst/>
@@ -6926,7 +6926,7 @@
         <p:spPr>
           <a:xfrm>
             <a:off x="714240" y="723960"/>
-            <a:ext cx="6700320" cy="9797760"/>
+            <a:ext cx="6699960" cy="9797400"/>
           </a:xfrm>
           <a:prstGeom prst="rect">
             <a:avLst/>
@@ -6949,8 +6949,8 @@
         </p:blipFill>
         <p:spPr>
           <a:xfrm rot="5400000">
-            <a:off x="-1503000" y="1474200"/>
-            <a:ext cx="11296800" cy="8276760"/>
+            <a:off x="-1502280" y="1473840"/>
+            <a:ext cx="11296440" cy="8276400"/>
           </a:xfrm>
           <a:prstGeom prst="rect">
             <a:avLst/>
@@ -6973,7 +6973,7 @@
         <p:spPr>
           <a:xfrm>
             <a:off x="1814400" y="8354520"/>
-            <a:ext cx="1440720" cy="1256760"/>
+            <a:ext cx="1440360" cy="1256400"/>
           </a:xfrm>
           <a:prstGeom prst="rect">
             <a:avLst/>
@@ -6992,7 +6992,7 @@
         <p:spPr>
           <a:xfrm>
             <a:off x="705600" y="3422520"/>
-            <a:ext cx="6723000" cy="577080"/>
+            <a:ext cx="6722640" cy="577080"/>
           </a:xfrm>
           <a:prstGeom prst="rect">
             <a:avLst/>
@@ -7049,7 +7049,7 @@
         <p:spPr>
           <a:xfrm>
             <a:off x="1454400" y="4110120"/>
-            <a:ext cx="5368320" cy="638280"/>
+            <a:ext cx="5367960" cy="638280"/>
           </a:xfrm>
           <a:prstGeom prst="rect">
             <a:avLst/>
@@ -7106,7 +7106,7 @@
         <p:spPr>
           <a:xfrm>
             <a:off x="2984400" y="8700120"/>
-            <a:ext cx="4282200" cy="591840"/>
+            <a:ext cx="4281840" cy="591840"/>
           </a:xfrm>
           <a:prstGeom prst="rect">
             <a:avLst/>
@@ -7189,7 +7189,7 @@
         <p:spPr>
           <a:xfrm>
             <a:off x="3722400" y="8210520"/>
-            <a:ext cx="3117240" cy="516240"/>
+            <a:ext cx="3116880" cy="516240"/>
           </a:xfrm>
           <a:prstGeom prst="rect">
             <a:avLst/>
@@ -7226,7 +7226,7 @@
                 <a:latin typeface="Courgette"/>
                 <a:ea typeface="Courgette"/>
               </a:rPr>
-              <a:t>MAJ  {signaturer}</a:t>
+              <a:t>MAJ {signaturer}</a:t>
             </a:r>
             <a:endParaRPr b="0" lang="en-AU" sz="2800" spc="-1" strike="noStrike">
               <a:solidFill>
@@ -7246,7 +7246,7 @@
         <p:spPr>
           <a:xfrm flipH="1">
             <a:off x="3722400" y="8696520"/>
-            <a:ext cx="2817720" cy="3600"/>
+            <a:ext cx="2818080" cy="3960"/>
           </a:xfrm>
           <a:prstGeom prst="straightConnector1">
             <a:avLst/>
@@ -7268,7 +7268,7 @@
         <p:spPr>
           <a:xfrm>
             <a:off x="885600" y="5668920"/>
-            <a:ext cx="6496200" cy="699480"/>
+            <a:ext cx="6495840" cy="699480"/>
           </a:xfrm>
           <a:prstGeom prst="rect">
             <a:avLst/>
@@ -7365,7 +7365,7 @@
         <p:spPr>
           <a:xfrm>
             <a:off x="817200" y="6446520"/>
-            <a:ext cx="6496200" cy="577080"/>
+            <a:ext cx="6495840" cy="577080"/>
           </a:xfrm>
           <a:prstGeom prst="rect">
             <a:avLst/>
@@ -7422,7 +7422,7 @@
         <p:spPr>
           <a:xfrm>
             <a:off x="874800" y="7119720"/>
-            <a:ext cx="6496200" cy="699480"/>
+            <a:ext cx="6495840" cy="699480"/>
           </a:xfrm>
           <a:prstGeom prst="rect">
             <a:avLst/>
@@ -7522,7 +7522,7 @@
         <p:spPr>
           <a:xfrm>
             <a:off x="896400" y="4833720"/>
-            <a:ext cx="6496200" cy="699480"/>
+            <a:ext cx="6495840" cy="699480"/>
           </a:xfrm>
           <a:prstGeom prst="rect">
             <a:avLst/>
@@ -7603,7 +7603,7 @@
         <p:spPr>
           <a:xfrm>
             <a:off x="2923200" y="1471320"/>
-            <a:ext cx="2284200" cy="1603800"/>
+            <a:ext cx="2283840" cy="1603440"/>
           </a:xfrm>
           <a:prstGeom prst="rect">
             <a:avLst/>
@@ -7655,8 +7655,8 @@
         </p:blipFill>
         <p:spPr>
           <a:xfrm rot="5400000">
-            <a:off x="-1114920" y="2058480"/>
-            <a:ext cx="10509480" cy="7115040"/>
+            <a:off x="-1114200" y="2058480"/>
+            <a:ext cx="10509120" cy="7114680"/>
           </a:xfrm>
           <a:prstGeom prst="rect">
             <a:avLst/>
@@ -7679,7 +7679,7 @@
         <p:spPr>
           <a:xfrm>
             <a:off x="712800" y="736920"/>
-            <a:ext cx="6701400" cy="9801000"/>
+            <a:ext cx="6701040" cy="9800640"/>
           </a:xfrm>
           <a:prstGeom prst="rect">
             <a:avLst/>
@@ -7702,8 +7702,8 @@
         </p:blipFill>
         <p:spPr>
           <a:xfrm rot="5400000">
-            <a:off x="-1503000" y="1474200"/>
-            <a:ext cx="11296800" cy="8276760"/>
+            <a:off x="-1502280" y="1473840"/>
+            <a:ext cx="11296440" cy="8276400"/>
           </a:xfrm>
           <a:prstGeom prst="rect">
             <a:avLst/>
@@ -7726,7 +7726,7 @@
         <p:spPr>
           <a:xfrm>
             <a:off x="1814400" y="8354520"/>
-            <a:ext cx="1440720" cy="1256760"/>
+            <a:ext cx="1440360" cy="1256400"/>
           </a:xfrm>
           <a:prstGeom prst="rect">
             <a:avLst/>
@@ -7745,7 +7745,7 @@
         <p:spPr>
           <a:xfrm>
             <a:off x="705600" y="3422520"/>
-            <a:ext cx="6723000" cy="577080"/>
+            <a:ext cx="6722640" cy="577080"/>
           </a:xfrm>
           <a:prstGeom prst="rect">
             <a:avLst/>
@@ -7802,7 +7802,7 @@
         <p:spPr>
           <a:xfrm>
             <a:off x="1454400" y="4124520"/>
-            <a:ext cx="5369400" cy="638280"/>
+            <a:ext cx="5369040" cy="638280"/>
           </a:xfrm>
           <a:prstGeom prst="rect">
             <a:avLst/>
@@ -7859,7 +7859,7 @@
         <p:spPr>
           <a:xfrm>
             <a:off x="2984400" y="8700120"/>
-            <a:ext cx="4282200" cy="591840"/>
+            <a:ext cx="4281840" cy="591840"/>
           </a:xfrm>
           <a:prstGeom prst="rect">
             <a:avLst/>
@@ -7952,7 +7952,7 @@
         <p:spPr>
           <a:xfrm>
             <a:off x="3722400" y="8210520"/>
-            <a:ext cx="3117240" cy="516240"/>
+            <a:ext cx="3116880" cy="516240"/>
           </a:xfrm>
           <a:prstGeom prst="rect">
             <a:avLst/>
@@ -7989,7 +7989,7 @@
                 <a:latin typeface="Courgette"/>
                 <a:ea typeface="Courgette"/>
               </a:rPr>
-              <a:t>MAJ  {signaturer}</a:t>
+              <a:t>MAJ {signaturer}</a:t>
             </a:r>
             <a:endParaRPr b="0" lang="en-AU" sz="2800" spc="-1" strike="noStrike">
               <a:solidFill>
@@ -8009,7 +8009,7 @@
         <p:spPr>
           <a:xfrm flipH="1">
             <a:off x="3722400" y="8696520"/>
-            <a:ext cx="2817720" cy="3600"/>
+            <a:ext cx="2818080" cy="3960"/>
           </a:xfrm>
           <a:prstGeom prst="straightConnector1">
             <a:avLst/>
@@ -8031,7 +8031,7 @@
         <p:spPr>
           <a:xfrm>
             <a:off x="885600" y="5816520"/>
-            <a:ext cx="5801400" cy="699480"/>
+            <a:ext cx="5801040" cy="699480"/>
           </a:xfrm>
           <a:prstGeom prst="rect">
             <a:avLst/>
@@ -8128,7 +8128,7 @@
         <p:spPr>
           <a:xfrm>
             <a:off x="817920" y="6433920"/>
-            <a:ext cx="6492600" cy="577080"/>
+            <a:ext cx="6492240" cy="577080"/>
           </a:xfrm>
           <a:prstGeom prst="rect">
             <a:avLst/>
@@ -8185,7 +8185,7 @@
         <p:spPr>
           <a:xfrm>
             <a:off x="874800" y="7119720"/>
-            <a:ext cx="6496200" cy="394560"/>
+            <a:ext cx="6495840" cy="394560"/>
           </a:xfrm>
           <a:prstGeom prst="rect">
             <a:avLst/>
@@ -8262,7 +8262,7 @@
         <p:spPr>
           <a:xfrm>
             <a:off x="862200" y="4820400"/>
-            <a:ext cx="6492960" cy="1004400"/>
+            <a:ext cx="6492600" cy="1004400"/>
           </a:xfrm>
           <a:prstGeom prst="rect">
             <a:avLst/>
@@ -8333,7 +8333,7 @@
         <p:spPr>
           <a:xfrm>
             <a:off x="2923200" y="1471320"/>
-            <a:ext cx="2284200" cy="1603800"/>
+            <a:ext cx="2283840" cy="1603440"/>
           </a:xfrm>
           <a:prstGeom prst="rect">
             <a:avLst/>
@@ -8385,8 +8385,8 @@
         </p:blipFill>
         <p:spPr>
           <a:xfrm rot="5400000">
-            <a:off x="-1114920" y="2058480"/>
-            <a:ext cx="10509480" cy="7115040"/>
+            <a:off x="-1114200" y="2058480"/>
+            <a:ext cx="10509120" cy="7114680"/>
           </a:xfrm>
           <a:prstGeom prst="rect">
             <a:avLst/>
@@ -8409,7 +8409,7 @@
         <p:spPr>
           <a:xfrm>
             <a:off x="712800" y="723600"/>
-            <a:ext cx="6701400" cy="9801000"/>
+            <a:ext cx="6701040" cy="9800640"/>
           </a:xfrm>
           <a:prstGeom prst="rect">
             <a:avLst/>
@@ -8432,8 +8432,8 @@
         </p:blipFill>
         <p:spPr>
           <a:xfrm rot="5400000">
-            <a:off x="-1503000" y="1474200"/>
-            <a:ext cx="11296800" cy="8276760"/>
+            <a:off x="-1502280" y="1473840"/>
+            <a:ext cx="11296440" cy="8276400"/>
           </a:xfrm>
           <a:prstGeom prst="rect">
             <a:avLst/>
@@ -8456,7 +8456,7 @@
         <p:spPr>
           <a:xfrm>
             <a:off x="1814400" y="8354520"/>
-            <a:ext cx="1440720" cy="1256760"/>
+            <a:ext cx="1440360" cy="1256400"/>
           </a:xfrm>
           <a:prstGeom prst="rect">
             <a:avLst/>
@@ -8475,7 +8475,7 @@
         <p:spPr>
           <a:xfrm>
             <a:off x="705600" y="3553200"/>
-            <a:ext cx="6723720" cy="577080"/>
+            <a:ext cx="6723360" cy="577080"/>
           </a:xfrm>
           <a:prstGeom prst="rect">
             <a:avLst/>
@@ -8532,7 +8532,7 @@
         <p:spPr>
           <a:xfrm>
             <a:off x="1454400" y="4124520"/>
-            <a:ext cx="5369400" cy="577080"/>
+            <a:ext cx="5369040" cy="577080"/>
           </a:xfrm>
           <a:prstGeom prst="rect">
             <a:avLst/>
@@ -8589,7 +8589,7 @@
         <p:spPr>
           <a:xfrm>
             <a:off x="2985840" y="8685000"/>
-            <a:ext cx="4280040" cy="591840"/>
+            <a:ext cx="4279680" cy="591840"/>
           </a:xfrm>
           <a:prstGeom prst="rect">
             <a:avLst/>
@@ -8672,7 +8672,7 @@
         <p:spPr>
           <a:xfrm>
             <a:off x="3559320" y="8244000"/>
-            <a:ext cx="3280320" cy="516240"/>
+            <a:ext cx="3279960" cy="516240"/>
           </a:xfrm>
           <a:prstGeom prst="rect">
             <a:avLst/>
@@ -8729,7 +8729,7 @@
         <p:spPr>
           <a:xfrm flipH="1">
             <a:off x="3722400" y="8696520"/>
-            <a:ext cx="2817720" cy="3600"/>
+            <a:ext cx="2818080" cy="3960"/>
           </a:xfrm>
           <a:prstGeom prst="straightConnector1">
             <a:avLst/>
@@ -8751,7 +8751,7 @@
         <p:spPr>
           <a:xfrm>
             <a:off x="885600" y="5668920"/>
-            <a:ext cx="6496200" cy="699480"/>
+            <a:ext cx="6495840" cy="699480"/>
           </a:xfrm>
           <a:prstGeom prst="rect">
             <a:avLst/>
@@ -8828,7 +8828,7 @@
         <p:spPr>
           <a:xfrm>
             <a:off x="817920" y="6433920"/>
-            <a:ext cx="6496200" cy="577080"/>
+            <a:ext cx="6495840" cy="577080"/>
           </a:xfrm>
           <a:prstGeom prst="rect">
             <a:avLst/>
@@ -8885,7 +8885,7 @@
         <p:spPr>
           <a:xfrm>
             <a:off x="874800" y="7119720"/>
-            <a:ext cx="6496200" cy="699480"/>
+            <a:ext cx="6495840" cy="699480"/>
           </a:xfrm>
           <a:prstGeom prst="rect">
             <a:avLst/>
@@ -8988,7 +8988,7 @@
         <p:spPr>
           <a:xfrm>
             <a:off x="896400" y="4833720"/>
-            <a:ext cx="6496200" cy="699480"/>
+            <a:ext cx="6495840" cy="699480"/>
           </a:xfrm>
           <a:prstGeom prst="rect">
             <a:avLst/>
@@ -9072,7 +9072,7 @@
         <p:spPr>
           <a:xfrm>
             <a:off x="3434400" y="1393200"/>
-            <a:ext cx="1263600" cy="2016000"/>
+            <a:ext cx="1263240" cy="2015640"/>
           </a:xfrm>
           <a:prstGeom prst="rect">
             <a:avLst/>
@@ -9124,8 +9124,8 @@
         </p:blipFill>
         <p:spPr>
           <a:xfrm rot="5400000">
-            <a:off x="-1114920" y="2058480"/>
-            <a:ext cx="10509480" cy="7115040"/>
+            <a:off x="-1114200" y="2058480"/>
+            <a:ext cx="10509120" cy="7114680"/>
           </a:xfrm>
           <a:prstGeom prst="rect">
             <a:avLst/>
@@ -9148,7 +9148,7 @@
         <p:spPr>
           <a:xfrm>
             <a:off x="712800" y="736920"/>
-            <a:ext cx="6701400" cy="9801000"/>
+            <a:ext cx="6701040" cy="9800640"/>
           </a:xfrm>
           <a:prstGeom prst="rect">
             <a:avLst/>
@@ -9171,8 +9171,8 @@
         </p:blipFill>
         <p:spPr>
           <a:xfrm rot="5400000">
-            <a:off x="-1503000" y="1474200"/>
-            <a:ext cx="11296800" cy="8276760"/>
+            <a:off x="-1502280" y="1473840"/>
+            <a:ext cx="11296440" cy="8276400"/>
           </a:xfrm>
           <a:prstGeom prst="rect">
             <a:avLst/>
@@ -9195,7 +9195,7 @@
         <p:spPr>
           <a:xfrm>
             <a:off x="1814400" y="8354520"/>
-            <a:ext cx="1440720" cy="1256760"/>
+            <a:ext cx="1440360" cy="1256400"/>
           </a:xfrm>
           <a:prstGeom prst="rect">
             <a:avLst/>
@@ -9214,7 +9214,7 @@
         <p:spPr>
           <a:xfrm>
             <a:off x="705600" y="3458520"/>
-            <a:ext cx="6723000" cy="577080"/>
+            <a:ext cx="6722640" cy="577080"/>
           </a:xfrm>
           <a:prstGeom prst="rect">
             <a:avLst/>
@@ -9271,7 +9271,7 @@
         <p:spPr>
           <a:xfrm>
             <a:off x="1454400" y="4124520"/>
-            <a:ext cx="5369400" cy="638280"/>
+            <a:ext cx="5369040" cy="638280"/>
           </a:xfrm>
           <a:prstGeom prst="rect">
             <a:avLst/>
@@ -9328,7 +9328,7 @@
         <p:spPr>
           <a:xfrm>
             <a:off x="2985840" y="8685000"/>
-            <a:ext cx="4280040" cy="591840"/>
+            <a:ext cx="4279680" cy="591840"/>
           </a:xfrm>
           <a:prstGeom prst="rect">
             <a:avLst/>
@@ -9411,7 +9411,7 @@
         <p:spPr>
           <a:xfrm>
             <a:off x="3542400" y="8210520"/>
-            <a:ext cx="3297240" cy="516240"/>
+            <a:ext cx="3296880" cy="516240"/>
           </a:xfrm>
           <a:prstGeom prst="rect">
             <a:avLst/>
@@ -9468,7 +9468,7 @@
         <p:spPr>
           <a:xfrm flipH="1">
             <a:off x="3722400" y="8696520"/>
-            <a:ext cx="2817720" cy="3600"/>
+            <a:ext cx="2818080" cy="3960"/>
           </a:xfrm>
           <a:prstGeom prst="straightConnector1">
             <a:avLst/>
@@ -9490,7 +9490,7 @@
         <p:spPr>
           <a:xfrm>
             <a:off x="885600" y="5668920"/>
-            <a:ext cx="6496200" cy="699480"/>
+            <a:ext cx="6495840" cy="699480"/>
           </a:xfrm>
           <a:prstGeom prst="rect">
             <a:avLst/>
@@ -9571,7 +9571,7 @@
         <p:spPr>
           <a:xfrm>
             <a:off x="3762000" y="1694520"/>
-            <a:ext cx="743400" cy="768600"/>
+            <a:ext cx="743040" cy="768240"/>
           </a:xfrm>
           <a:prstGeom prst="rect">
             <a:avLst/>
@@ -9590,7 +9590,7 @@
         <p:spPr>
           <a:xfrm>
             <a:off x="817920" y="6433920"/>
-            <a:ext cx="6496200" cy="577080"/>
+            <a:ext cx="6495840" cy="577080"/>
           </a:xfrm>
           <a:prstGeom prst="rect">
             <a:avLst/>
@@ -9647,7 +9647,7 @@
         <p:spPr>
           <a:xfrm>
             <a:off x="874800" y="7119720"/>
-            <a:ext cx="6496200" cy="394560"/>
+            <a:ext cx="6495840" cy="394560"/>
           </a:xfrm>
           <a:prstGeom prst="rect">
             <a:avLst/>
@@ -9734,7 +9734,7 @@
         <p:spPr>
           <a:xfrm>
             <a:off x="896400" y="4833720"/>
-            <a:ext cx="6496200" cy="699480"/>
+            <a:ext cx="6495840" cy="699480"/>
           </a:xfrm>
           <a:prstGeom prst="rect">
             <a:avLst/>
@@ -9818,7 +9818,7 @@
         <p:spPr>
           <a:xfrm>
             <a:off x="3870000" y="2770920"/>
-            <a:ext cx="527400" cy="549000"/>
+            <a:ext cx="527040" cy="548640"/>
           </a:xfrm>
           <a:prstGeom prst="rect">
             <a:avLst/>
@@ -9870,8 +9870,8 @@
         </p:blipFill>
         <p:spPr>
           <a:xfrm rot="5400000">
-            <a:off x="-1114920" y="2058480"/>
-            <a:ext cx="10509480" cy="7115040"/>
+            <a:off x="-1114200" y="2058480"/>
+            <a:ext cx="10509120" cy="7114680"/>
           </a:xfrm>
           <a:prstGeom prst="rect">
             <a:avLst/>
@@ -9894,7 +9894,7 @@
         <p:spPr>
           <a:xfrm>
             <a:off x="712800" y="736920"/>
-            <a:ext cx="6701400" cy="9801000"/>
+            <a:ext cx="6701040" cy="9800640"/>
           </a:xfrm>
           <a:prstGeom prst="rect">
             <a:avLst/>
@@ -9917,8 +9917,8 @@
         </p:blipFill>
         <p:spPr>
           <a:xfrm rot="5400000">
-            <a:off x="-1503000" y="1474200"/>
-            <a:ext cx="11296800" cy="8276760"/>
+            <a:off x="-1502280" y="1473840"/>
+            <a:ext cx="11296440" cy="8276400"/>
           </a:xfrm>
           <a:prstGeom prst="rect">
             <a:avLst/>
@@ -9941,7 +9941,7 @@
         <p:spPr>
           <a:xfrm>
             <a:off x="1814400" y="8354520"/>
-            <a:ext cx="1440720" cy="1256760"/>
+            <a:ext cx="1440360" cy="1256400"/>
           </a:xfrm>
           <a:prstGeom prst="rect">
             <a:avLst/>
@@ -9960,7 +9960,7 @@
         <p:spPr>
           <a:xfrm>
             <a:off x="705600" y="3458520"/>
-            <a:ext cx="6723000" cy="577080"/>
+            <a:ext cx="6722640" cy="577080"/>
           </a:xfrm>
           <a:prstGeom prst="rect">
             <a:avLst/>
@@ -10017,7 +10017,7 @@
         <p:spPr>
           <a:xfrm>
             <a:off x="1454400" y="4124520"/>
-            <a:ext cx="5369400" cy="638280"/>
+            <a:ext cx="5369040" cy="638280"/>
           </a:xfrm>
           <a:prstGeom prst="rect">
             <a:avLst/>
@@ -10074,7 +10074,7 @@
         <p:spPr>
           <a:xfrm>
             <a:off x="2985840" y="8685000"/>
-            <a:ext cx="4280040" cy="591840"/>
+            <a:ext cx="4279680" cy="591840"/>
           </a:xfrm>
           <a:prstGeom prst="rect">
             <a:avLst/>
@@ -10157,7 +10157,7 @@
         <p:spPr>
           <a:xfrm>
             <a:off x="3600000" y="8210520"/>
-            <a:ext cx="3297240" cy="516240"/>
+            <a:ext cx="3296880" cy="516240"/>
           </a:xfrm>
           <a:prstGeom prst="rect">
             <a:avLst/>
@@ -10214,7 +10214,7 @@
         <p:spPr>
           <a:xfrm flipH="1">
             <a:off x="3722400" y="8696520"/>
-            <a:ext cx="2817720" cy="3600"/>
+            <a:ext cx="2818080" cy="3960"/>
           </a:xfrm>
           <a:prstGeom prst="straightConnector1">
             <a:avLst/>
@@ -10236,7 +10236,7 @@
         <p:spPr>
           <a:xfrm>
             <a:off x="885600" y="5668920"/>
-            <a:ext cx="6496200" cy="699480"/>
+            <a:ext cx="6495840" cy="699480"/>
           </a:xfrm>
           <a:prstGeom prst="rect">
             <a:avLst/>
@@ -10337,7 +10337,7 @@
         <p:spPr>
           <a:xfrm>
             <a:off x="3344400" y="1418400"/>
-            <a:ext cx="1590120" cy="1640520"/>
+            <a:ext cx="1589760" cy="1640160"/>
           </a:xfrm>
           <a:prstGeom prst="rect">
             <a:avLst/>
@@ -10356,7 +10356,7 @@
         <p:spPr>
           <a:xfrm>
             <a:off x="817920" y="6433920"/>
-            <a:ext cx="6496200" cy="577080"/>
+            <a:ext cx="6495840" cy="577080"/>
           </a:xfrm>
           <a:prstGeom prst="rect">
             <a:avLst/>
@@ -10413,7 +10413,7 @@
         <p:spPr>
           <a:xfrm>
             <a:off x="874800" y="7119720"/>
-            <a:ext cx="6496200" cy="394560"/>
+            <a:ext cx="6495840" cy="394560"/>
           </a:xfrm>
           <a:prstGeom prst="rect">
             <a:avLst/>
@@ -10500,7 +10500,7 @@
         <p:spPr>
           <a:xfrm>
             <a:off x="896400" y="4833720"/>
-            <a:ext cx="6496200" cy="699480"/>
+            <a:ext cx="6495840" cy="699480"/>
           </a:xfrm>
           <a:prstGeom prst="rect">
             <a:avLst/>
@@ -10613,8 +10613,8 @@
         </p:blipFill>
         <p:spPr>
           <a:xfrm rot="5400000">
-            <a:off x="-1114920" y="2058480"/>
-            <a:ext cx="10509480" cy="7115040"/>
+            <a:off x="-1114200" y="2058480"/>
+            <a:ext cx="10509120" cy="7114680"/>
           </a:xfrm>
           <a:prstGeom prst="rect">
             <a:avLst/>
@@ -10637,7 +10637,7 @@
         <p:spPr>
           <a:xfrm>
             <a:off x="712800" y="736920"/>
-            <a:ext cx="6701400" cy="9801000"/>
+            <a:ext cx="6701040" cy="9800640"/>
           </a:xfrm>
           <a:prstGeom prst="rect">
             <a:avLst/>
@@ -10660,8 +10660,8 @@
         </p:blipFill>
         <p:spPr>
           <a:xfrm rot="5400000">
-            <a:off x="-1503000" y="1474200"/>
-            <a:ext cx="11296800" cy="8276760"/>
+            <a:off x="-1502280" y="1473840"/>
+            <a:ext cx="11296440" cy="8276400"/>
           </a:xfrm>
           <a:prstGeom prst="rect">
             <a:avLst/>
@@ -10684,7 +10684,7 @@
         <p:spPr>
           <a:xfrm>
             <a:off x="1814400" y="8354520"/>
-            <a:ext cx="1440720" cy="1256760"/>
+            <a:ext cx="1440360" cy="1256400"/>
           </a:xfrm>
           <a:prstGeom prst="rect">
             <a:avLst/>
@@ -10703,7 +10703,7 @@
         <p:spPr>
           <a:xfrm>
             <a:off x="705600" y="3458520"/>
-            <a:ext cx="6723000" cy="577080"/>
+            <a:ext cx="6722640" cy="577080"/>
           </a:xfrm>
           <a:prstGeom prst="rect">
             <a:avLst/>
@@ -10760,7 +10760,7 @@
         <p:spPr>
           <a:xfrm>
             <a:off x="1454400" y="4124520"/>
-            <a:ext cx="5369400" cy="638280"/>
+            <a:ext cx="5369040" cy="638280"/>
           </a:xfrm>
           <a:prstGeom prst="rect">
             <a:avLst/>
@@ -10817,7 +10817,7 @@
         <p:spPr>
           <a:xfrm>
             <a:off x="2985840" y="8685000"/>
-            <a:ext cx="4280040" cy="591840"/>
+            <a:ext cx="4279680" cy="591840"/>
           </a:xfrm>
           <a:prstGeom prst="rect">
             <a:avLst/>
@@ -10910,7 +10910,7 @@
         <p:spPr>
           <a:xfrm>
             <a:off x="3722400" y="8210520"/>
-            <a:ext cx="2937240" cy="516240"/>
+            <a:ext cx="2936880" cy="516240"/>
           </a:xfrm>
           <a:prstGeom prst="rect">
             <a:avLst/>
@@ -10967,7 +10967,7 @@
         <p:spPr>
           <a:xfrm flipH="1">
             <a:off x="3722400" y="8696520"/>
-            <a:ext cx="2817720" cy="3600"/>
+            <a:ext cx="2818080" cy="3960"/>
           </a:xfrm>
           <a:prstGeom prst="straightConnector1">
             <a:avLst/>
@@ -10989,7 +10989,7 @@
         <p:spPr>
           <a:xfrm>
             <a:off x="885600" y="5668920"/>
-            <a:ext cx="6496200" cy="699480"/>
+            <a:ext cx="6495840" cy="699480"/>
           </a:xfrm>
           <a:prstGeom prst="rect">
             <a:avLst/>
@@ -11086,7 +11086,7 @@
         <p:spPr>
           <a:xfrm>
             <a:off x="817920" y="6433920"/>
-            <a:ext cx="6496200" cy="577080"/>
+            <a:ext cx="6495840" cy="577080"/>
           </a:xfrm>
           <a:prstGeom prst="rect">
             <a:avLst/>
@@ -11143,7 +11143,7 @@
         <p:spPr>
           <a:xfrm>
             <a:off x="874800" y="7119720"/>
-            <a:ext cx="6496200" cy="394560"/>
+            <a:ext cx="6495840" cy="394560"/>
           </a:xfrm>
           <a:prstGeom prst="rect">
             <a:avLst/>
@@ -11230,7 +11230,7 @@
         <p:spPr>
           <a:xfrm>
             <a:off x="896400" y="4833720"/>
-            <a:ext cx="6496200" cy="699480"/>
+            <a:ext cx="6495840" cy="699480"/>
           </a:xfrm>
           <a:prstGeom prst="rect">
             <a:avLst/>
@@ -11314,7 +11314,7 @@
         <p:spPr>
           <a:xfrm>
             <a:off x="3808800" y="1944000"/>
-            <a:ext cx="527400" cy="549000"/>
+            <a:ext cx="527040" cy="548640"/>
           </a:xfrm>
           <a:prstGeom prst="rect">
             <a:avLst/>
@@ -11337,7 +11337,7 @@
         <p:spPr>
           <a:xfrm>
             <a:off x="3808800" y="1378800"/>
-            <a:ext cx="527400" cy="549000"/>
+            <a:ext cx="527040" cy="548640"/>
           </a:xfrm>
           <a:prstGeom prst="rect">
             <a:avLst/>
@@ -11360,7 +11360,7 @@
         <p:spPr>
           <a:xfrm>
             <a:off x="3808800" y="2505600"/>
-            <a:ext cx="527400" cy="549000"/>
+            <a:ext cx="527040" cy="548640"/>
           </a:xfrm>
           <a:prstGeom prst="rect">
             <a:avLst/>
@@ -11412,8 +11412,8 @@
         </p:blipFill>
         <p:spPr>
           <a:xfrm rot="5400000">
-            <a:off x="-1114920" y="2058480"/>
-            <a:ext cx="10509480" cy="7115040"/>
+            <a:off x="-1114200" y="2058480"/>
+            <a:ext cx="10509120" cy="7114680"/>
           </a:xfrm>
           <a:prstGeom prst="rect">
             <a:avLst/>
@@ -11436,7 +11436,7 @@
         <p:spPr>
           <a:xfrm>
             <a:off x="712800" y="736920"/>
-            <a:ext cx="6701400" cy="9801000"/>
+            <a:ext cx="6701040" cy="9800640"/>
           </a:xfrm>
           <a:prstGeom prst="rect">
             <a:avLst/>
@@ -11459,8 +11459,8 @@
         </p:blipFill>
         <p:spPr>
           <a:xfrm rot="5400000">
-            <a:off x="-1503000" y="1474200"/>
-            <a:ext cx="11296800" cy="8276760"/>
+            <a:off x="-1502280" y="1473840"/>
+            <a:ext cx="11296440" cy="8276400"/>
           </a:xfrm>
           <a:prstGeom prst="rect">
             <a:avLst/>
@@ -11483,7 +11483,7 @@
         <p:spPr>
           <a:xfrm>
             <a:off x="1814400" y="8354520"/>
-            <a:ext cx="1440720" cy="1256760"/>
+            <a:ext cx="1440360" cy="1256400"/>
           </a:xfrm>
           <a:prstGeom prst="rect">
             <a:avLst/>
@@ -11502,7 +11502,7 @@
         <p:spPr>
           <a:xfrm>
             <a:off x="705600" y="3494520"/>
-            <a:ext cx="6723000" cy="577080"/>
+            <a:ext cx="6722640" cy="577080"/>
           </a:xfrm>
           <a:prstGeom prst="rect">
             <a:avLst/>
@@ -11559,7 +11559,7 @@
         <p:spPr>
           <a:xfrm>
             <a:off x="1454400" y="4124520"/>
-            <a:ext cx="5369400" cy="638280"/>
+            <a:ext cx="5369040" cy="638280"/>
           </a:xfrm>
           <a:prstGeom prst="rect">
             <a:avLst/>
@@ -11616,7 +11616,7 @@
         <p:spPr>
           <a:xfrm>
             <a:off x="2985840" y="8685000"/>
-            <a:ext cx="4280040" cy="591840"/>
+            <a:ext cx="4279680" cy="591840"/>
           </a:xfrm>
           <a:prstGeom prst="rect">
             <a:avLst/>
@@ -11709,7 +11709,7 @@
         <p:spPr>
           <a:xfrm>
             <a:off x="3722400" y="8210520"/>
-            <a:ext cx="3117240" cy="516240"/>
+            <a:ext cx="3116880" cy="516240"/>
           </a:xfrm>
           <a:prstGeom prst="rect">
             <a:avLst/>
@@ -11746,7 +11746,7 @@
                 <a:latin typeface="Courgette"/>
                 <a:ea typeface="Courgette"/>
               </a:rPr>
-              <a:t>MAJ  {signaturer}</a:t>
+              <a:t>MAJ {signaturer}</a:t>
             </a:r>
             <a:endParaRPr b="0" lang="en-AU" sz="2800" spc="-1" strike="noStrike">
               <a:solidFill>
@@ -11766,7 +11766,7 @@
         <p:spPr>
           <a:xfrm flipH="1">
             <a:off x="3722400" y="8696520"/>
-            <a:ext cx="2817720" cy="3600"/>
+            <a:ext cx="2818080" cy="3960"/>
           </a:xfrm>
           <a:prstGeom prst="straightConnector1">
             <a:avLst/>
@@ -11788,7 +11788,7 @@
         <p:spPr>
           <a:xfrm>
             <a:off x="885600" y="5668920"/>
-            <a:ext cx="6496200" cy="699480"/>
+            <a:ext cx="6495840" cy="699480"/>
           </a:xfrm>
           <a:prstGeom prst="rect">
             <a:avLst/>
@@ -11885,7 +11885,7 @@
         <p:spPr>
           <a:xfrm>
             <a:off x="817920" y="6433920"/>
-            <a:ext cx="6496200" cy="577080"/>
+            <a:ext cx="6495840" cy="577080"/>
           </a:xfrm>
           <a:prstGeom prst="rect">
             <a:avLst/>
@@ -11942,7 +11942,7 @@
         <p:spPr>
           <a:xfrm>
             <a:off x="874800" y="7119720"/>
-            <a:ext cx="6496200" cy="394560"/>
+            <a:ext cx="6495840" cy="394560"/>
           </a:xfrm>
           <a:prstGeom prst="rect">
             <a:avLst/>
@@ -12029,7 +12029,7 @@
         <p:spPr>
           <a:xfrm>
             <a:off x="896400" y="4833720"/>
-            <a:ext cx="6496200" cy="699480"/>
+            <a:ext cx="6495840" cy="699480"/>
           </a:xfrm>
           <a:prstGeom prst="rect">
             <a:avLst/>
@@ -12113,7 +12113,7 @@
         <p:spPr>
           <a:xfrm>
             <a:off x="3632400" y="2408400"/>
-            <a:ext cx="866520" cy="902520"/>
+            <a:ext cx="866160" cy="902160"/>
           </a:xfrm>
           <a:prstGeom prst="rect">
             <a:avLst/>
@@ -12136,7 +12136,7 @@
         <p:spPr>
           <a:xfrm>
             <a:off x="3632400" y="1382400"/>
-            <a:ext cx="866520" cy="902520"/>
+            <a:ext cx="866160" cy="902160"/>
           </a:xfrm>
           <a:prstGeom prst="rect">
             <a:avLst/>
@@ -12188,8 +12188,8 @@
         </p:blipFill>
         <p:spPr>
           <a:xfrm rot="5400000">
-            <a:off x="-1114920" y="2058480"/>
-            <a:ext cx="10509480" cy="7115040"/>
+            <a:off x="-1114200" y="2058480"/>
+            <a:ext cx="10509120" cy="7114680"/>
           </a:xfrm>
           <a:prstGeom prst="rect">
             <a:avLst/>
@@ -12212,7 +12212,7 @@
         <p:spPr>
           <a:xfrm>
             <a:off x="712800" y="723600"/>
-            <a:ext cx="6701400" cy="9801000"/>
+            <a:ext cx="6701040" cy="9800640"/>
           </a:xfrm>
           <a:prstGeom prst="rect">
             <a:avLst/>
@@ -12235,8 +12235,8 @@
         </p:blipFill>
         <p:spPr>
           <a:xfrm rot="5400000">
-            <a:off x="-1503000" y="1474200"/>
-            <a:ext cx="11296800" cy="8276760"/>
+            <a:off x="-1502280" y="1473840"/>
+            <a:ext cx="11296440" cy="8276400"/>
           </a:xfrm>
           <a:prstGeom prst="rect">
             <a:avLst/>
@@ -12259,7 +12259,7 @@
         <p:spPr>
           <a:xfrm>
             <a:off x="1814400" y="8354520"/>
-            <a:ext cx="1440720" cy="1256760"/>
+            <a:ext cx="1440360" cy="1256400"/>
           </a:xfrm>
           <a:prstGeom prst="rect">
             <a:avLst/>
@@ -12278,7 +12278,7 @@
         <p:spPr>
           <a:xfrm>
             <a:off x="705600" y="3553200"/>
-            <a:ext cx="6723720" cy="577080"/>
+            <a:ext cx="6723360" cy="577080"/>
           </a:xfrm>
           <a:prstGeom prst="rect">
             <a:avLst/>
@@ -12335,7 +12335,7 @@
         <p:spPr>
           <a:xfrm>
             <a:off x="1454400" y="4124520"/>
-            <a:ext cx="5369400" cy="638280"/>
+            <a:ext cx="5369040" cy="638280"/>
           </a:xfrm>
           <a:prstGeom prst="rect">
             <a:avLst/>
@@ -12392,7 +12392,7 @@
         <p:spPr>
           <a:xfrm>
             <a:off x="2985840" y="8685000"/>
-            <a:ext cx="4280040" cy="591840"/>
+            <a:ext cx="4279680" cy="591840"/>
           </a:xfrm>
           <a:prstGeom prst="rect">
             <a:avLst/>
@@ -12485,7 +12485,7 @@
         <p:spPr>
           <a:xfrm>
             <a:off x="3722400" y="8210520"/>
-            <a:ext cx="3117240" cy="516240"/>
+            <a:ext cx="3116880" cy="516240"/>
           </a:xfrm>
           <a:prstGeom prst="rect">
             <a:avLst/>
@@ -12522,7 +12522,7 @@
                 <a:latin typeface="Courgette"/>
                 <a:ea typeface="Courgette"/>
               </a:rPr>
-              <a:t>MAJ  {signaturer}</a:t>
+              <a:t>MAJ {signaturer}</a:t>
             </a:r>
             <a:endParaRPr b="0" lang="en-AU" sz="2800" spc="-1" strike="noStrike">
               <a:solidFill>
@@ -12542,7 +12542,7 @@
         <p:spPr>
           <a:xfrm flipH="1">
             <a:off x="3722400" y="8696520"/>
-            <a:ext cx="2817720" cy="3600"/>
+            <a:ext cx="2818080" cy="3960"/>
           </a:xfrm>
           <a:prstGeom prst="straightConnector1">
             <a:avLst/>
@@ -12564,7 +12564,7 @@
         <p:spPr>
           <a:xfrm>
             <a:off x="885600" y="5668920"/>
-            <a:ext cx="6496200" cy="699480"/>
+            <a:ext cx="6495840" cy="699480"/>
           </a:xfrm>
           <a:prstGeom prst="rect">
             <a:avLst/>
@@ -12661,7 +12661,7 @@
         <p:spPr>
           <a:xfrm>
             <a:off x="817920" y="6433920"/>
-            <a:ext cx="6496200" cy="577080"/>
+            <a:ext cx="6495840" cy="577080"/>
           </a:xfrm>
           <a:prstGeom prst="rect">
             <a:avLst/>
@@ -12718,7 +12718,7 @@
         <p:spPr>
           <a:xfrm>
             <a:off x="874800" y="7119720"/>
-            <a:ext cx="6496200" cy="699480"/>
+            <a:ext cx="6495840" cy="699480"/>
           </a:xfrm>
           <a:prstGeom prst="rect">
             <a:avLst/>
@@ -12821,7 +12821,7 @@
         <p:spPr>
           <a:xfrm>
             <a:off x="896400" y="4833720"/>
-            <a:ext cx="6496200" cy="699480"/>
+            <a:ext cx="6495840" cy="699480"/>
           </a:xfrm>
           <a:prstGeom prst="rect">
             <a:avLst/>
@@ -12905,7 +12905,7 @@
         <p:spPr>
           <a:xfrm>
             <a:off x="3434760" y="1394640"/>
-            <a:ext cx="1262520" cy="2014920"/>
+            <a:ext cx="1262160" cy="2014560"/>
           </a:xfrm>
           <a:prstGeom prst="rect">
             <a:avLst/>
@@ -12957,8 +12957,8 @@
         </p:blipFill>
         <p:spPr>
           <a:xfrm rot="5400000">
-            <a:off x="-1114920" y="2058480"/>
-            <a:ext cx="10509480" cy="7115040"/>
+            <a:off x="-1114200" y="2058480"/>
+            <a:ext cx="10509120" cy="7114680"/>
           </a:xfrm>
           <a:prstGeom prst="rect">
             <a:avLst/>
@@ -12981,7 +12981,7 @@
         <p:spPr>
           <a:xfrm>
             <a:off x="712800" y="723600"/>
-            <a:ext cx="6701400" cy="9801000"/>
+            <a:ext cx="6701040" cy="9800640"/>
           </a:xfrm>
           <a:prstGeom prst="rect">
             <a:avLst/>
@@ -13004,8 +13004,8 @@
         </p:blipFill>
         <p:spPr>
           <a:xfrm rot="5400000">
-            <a:off x="-1503000" y="1474200"/>
-            <a:ext cx="11296800" cy="8276760"/>
+            <a:off x="-1502280" y="1473840"/>
+            <a:ext cx="11296440" cy="8276400"/>
           </a:xfrm>
           <a:prstGeom prst="rect">
             <a:avLst/>
@@ -13028,7 +13028,7 @@
         <p:spPr>
           <a:xfrm>
             <a:off x="1814400" y="8354520"/>
-            <a:ext cx="1440720" cy="1256760"/>
+            <a:ext cx="1440360" cy="1256400"/>
           </a:xfrm>
           <a:prstGeom prst="rect">
             <a:avLst/>
@@ -13047,7 +13047,7 @@
         <p:spPr>
           <a:xfrm>
             <a:off x="705600" y="3553200"/>
-            <a:ext cx="6723720" cy="577080"/>
+            <a:ext cx="6723360" cy="577080"/>
           </a:xfrm>
           <a:prstGeom prst="rect">
             <a:avLst/>
@@ -13104,7 +13104,7 @@
         <p:spPr>
           <a:xfrm>
             <a:off x="1454400" y="4124520"/>
-            <a:ext cx="5369400" cy="638280"/>
+            <a:ext cx="5369040" cy="638280"/>
           </a:xfrm>
           <a:prstGeom prst="rect">
             <a:avLst/>
@@ -13161,7 +13161,7 @@
         <p:spPr>
           <a:xfrm>
             <a:off x="2985840" y="8685000"/>
-            <a:ext cx="4280040" cy="591840"/>
+            <a:ext cx="4279680" cy="591840"/>
           </a:xfrm>
           <a:prstGeom prst="rect">
             <a:avLst/>
@@ -13254,7 +13254,7 @@
         <p:spPr>
           <a:xfrm>
             <a:off x="3722400" y="8210520"/>
-            <a:ext cx="3117240" cy="516240"/>
+            <a:ext cx="3116880" cy="516240"/>
           </a:xfrm>
           <a:prstGeom prst="rect">
             <a:avLst/>
@@ -13291,7 +13291,7 @@
                 <a:latin typeface="Courgette"/>
                 <a:ea typeface="Courgette"/>
               </a:rPr>
-              <a:t>MAJ  {signaturer}</a:t>
+              <a:t>MAJ {signaturer}</a:t>
             </a:r>
             <a:endParaRPr b="0" lang="en-AU" sz="2800" spc="-1" strike="noStrike">
               <a:solidFill>
@@ -13311,7 +13311,7 @@
         <p:spPr>
           <a:xfrm flipH="1">
             <a:off x="3722400" y="8696520"/>
-            <a:ext cx="2817720" cy="3600"/>
+            <a:ext cx="2818080" cy="3960"/>
           </a:xfrm>
           <a:prstGeom prst="straightConnector1">
             <a:avLst/>
@@ -13333,7 +13333,7 @@
         <p:spPr>
           <a:xfrm>
             <a:off x="885600" y="5668920"/>
-            <a:ext cx="6496200" cy="699480"/>
+            <a:ext cx="6495840" cy="699480"/>
           </a:xfrm>
           <a:prstGeom prst="rect">
             <a:avLst/>
@@ -13430,7 +13430,7 @@
         <p:spPr>
           <a:xfrm>
             <a:off x="817920" y="6433920"/>
-            <a:ext cx="6496200" cy="577080"/>
+            <a:ext cx="6495840" cy="577080"/>
           </a:xfrm>
           <a:prstGeom prst="rect">
             <a:avLst/>
@@ -13487,7 +13487,7 @@
         <p:spPr>
           <a:xfrm>
             <a:off x="874800" y="7119720"/>
-            <a:ext cx="6496200" cy="699480"/>
+            <a:ext cx="6495840" cy="699480"/>
           </a:xfrm>
           <a:prstGeom prst="rect">
             <a:avLst/>
@@ -13590,7 +13590,7 @@
         <p:spPr>
           <a:xfrm>
             <a:off x="896400" y="4833720"/>
-            <a:ext cx="6496200" cy="699480"/>
+            <a:ext cx="6495840" cy="699480"/>
           </a:xfrm>
           <a:prstGeom prst="rect">
             <a:avLst/>
@@ -13674,7 +13674,7 @@
         <p:spPr>
           <a:xfrm>
             <a:off x="3432600" y="1385640"/>
-            <a:ext cx="1264320" cy="2018160"/>
+            <a:ext cx="1263960" cy="2017800"/>
           </a:xfrm>
           <a:prstGeom prst="rect">
             <a:avLst/>
@@ -13726,8 +13726,8 @@
         </p:blipFill>
         <p:spPr>
           <a:xfrm rot="5400000">
-            <a:off x="-1114920" y="2058480"/>
-            <a:ext cx="10509480" cy="7115040"/>
+            <a:off x="-1114200" y="2058480"/>
+            <a:ext cx="10509120" cy="7114680"/>
           </a:xfrm>
           <a:prstGeom prst="rect">
             <a:avLst/>
@@ -13750,7 +13750,7 @@
         <p:spPr>
           <a:xfrm>
             <a:off x="712800" y="723600"/>
-            <a:ext cx="6701400" cy="9801000"/>
+            <a:ext cx="6701040" cy="9800640"/>
           </a:xfrm>
           <a:prstGeom prst="rect">
             <a:avLst/>
@@ -13773,8 +13773,8 @@
         </p:blipFill>
         <p:spPr>
           <a:xfrm rot="5400000">
-            <a:off x="-1503000" y="1474200"/>
-            <a:ext cx="11296800" cy="8276760"/>
+            <a:off x="-1502280" y="1473840"/>
+            <a:ext cx="11296440" cy="8276400"/>
           </a:xfrm>
           <a:prstGeom prst="rect">
             <a:avLst/>
@@ -13797,7 +13797,7 @@
         <p:spPr>
           <a:xfrm>
             <a:off x="1814400" y="8354520"/>
-            <a:ext cx="1440720" cy="1256760"/>
+            <a:ext cx="1440360" cy="1256400"/>
           </a:xfrm>
           <a:prstGeom prst="rect">
             <a:avLst/>
@@ -13816,7 +13816,7 @@
         <p:spPr>
           <a:xfrm>
             <a:off x="705600" y="3553200"/>
-            <a:ext cx="6723720" cy="577080"/>
+            <a:ext cx="6723360" cy="577080"/>
           </a:xfrm>
           <a:prstGeom prst="rect">
             <a:avLst/>
@@ -13873,7 +13873,7 @@
         <p:spPr>
           <a:xfrm>
             <a:off x="1454400" y="4124520"/>
-            <a:ext cx="5369400" cy="638280"/>
+            <a:ext cx="5369040" cy="638280"/>
           </a:xfrm>
           <a:prstGeom prst="rect">
             <a:avLst/>
@@ -13930,7 +13930,7 @@
         <p:spPr>
           <a:xfrm>
             <a:off x="2985840" y="8685000"/>
-            <a:ext cx="4280040" cy="591840"/>
+            <a:ext cx="4279680" cy="591840"/>
           </a:xfrm>
           <a:prstGeom prst="rect">
             <a:avLst/>
@@ -14023,7 +14023,7 @@
         <p:spPr>
           <a:xfrm>
             <a:off x="3722400" y="8210520"/>
-            <a:ext cx="3117240" cy="516240"/>
+            <a:ext cx="3116880" cy="516240"/>
           </a:xfrm>
           <a:prstGeom prst="rect">
             <a:avLst/>
@@ -14060,7 +14060,7 @@
                 <a:latin typeface="Courgette"/>
                 <a:ea typeface="Courgette"/>
               </a:rPr>
-              <a:t>MAJ  {signaturer}</a:t>
+              <a:t>MAJ {signaturer}</a:t>
             </a:r>
             <a:endParaRPr b="0" lang="en-AU" sz="2800" spc="-1" strike="noStrike">
               <a:solidFill>
@@ -14080,7 +14080,7 @@
         <p:spPr>
           <a:xfrm flipH="1">
             <a:off x="3722400" y="8696520"/>
-            <a:ext cx="2817720" cy="3600"/>
+            <a:ext cx="2818080" cy="3960"/>
           </a:xfrm>
           <a:prstGeom prst="straightConnector1">
             <a:avLst/>
@@ -14102,7 +14102,7 @@
         <p:spPr>
           <a:xfrm>
             <a:off x="885600" y="5668920"/>
-            <a:ext cx="6496200" cy="699480"/>
+            <a:ext cx="6495840" cy="699480"/>
           </a:xfrm>
           <a:prstGeom prst="rect">
             <a:avLst/>
@@ -14199,7 +14199,7 @@
         <p:spPr>
           <a:xfrm>
             <a:off x="817920" y="6433920"/>
-            <a:ext cx="6496200" cy="577080"/>
+            <a:ext cx="6495840" cy="577080"/>
           </a:xfrm>
           <a:prstGeom prst="rect">
             <a:avLst/>
@@ -14256,7 +14256,7 @@
         <p:spPr>
           <a:xfrm>
             <a:off x="874800" y="7119720"/>
-            <a:ext cx="6496200" cy="699480"/>
+            <a:ext cx="6495840" cy="699480"/>
           </a:xfrm>
           <a:prstGeom prst="rect">
             <a:avLst/>
@@ -14359,7 +14359,7 @@
         <p:spPr>
           <a:xfrm>
             <a:off x="896400" y="4833720"/>
-            <a:ext cx="6496200" cy="699480"/>
+            <a:ext cx="6495840" cy="699480"/>
           </a:xfrm>
           <a:prstGeom prst="rect">
             <a:avLst/>
@@ -14443,7 +14443,7 @@
         <p:spPr>
           <a:xfrm>
             <a:off x="3432600" y="1317600"/>
-            <a:ext cx="1264320" cy="2018160"/>
+            <a:ext cx="1263960" cy="2017800"/>
           </a:xfrm>
           <a:prstGeom prst="rect">
             <a:avLst/>
@@ -14495,8 +14495,8 @@
         </p:blipFill>
         <p:spPr>
           <a:xfrm rot="5400000">
-            <a:off x="-1114920" y="2058480"/>
-            <a:ext cx="10509480" cy="7115040"/>
+            <a:off x="-1114200" y="2058480"/>
+            <a:ext cx="10509120" cy="7114680"/>
           </a:xfrm>
           <a:prstGeom prst="rect">
             <a:avLst/>
@@ -14519,7 +14519,7 @@
         <p:spPr>
           <a:xfrm>
             <a:off x="712800" y="723600"/>
-            <a:ext cx="6701400" cy="9801000"/>
+            <a:ext cx="6701040" cy="9800640"/>
           </a:xfrm>
           <a:prstGeom prst="rect">
             <a:avLst/>
@@ -14542,8 +14542,8 @@
         </p:blipFill>
         <p:spPr>
           <a:xfrm rot="5400000">
-            <a:off x="-1503000" y="1474200"/>
-            <a:ext cx="11296800" cy="8276760"/>
+            <a:off x="-1502280" y="1473840"/>
+            <a:ext cx="11296440" cy="8276400"/>
           </a:xfrm>
           <a:prstGeom prst="rect">
             <a:avLst/>
@@ -14566,7 +14566,7 @@
         <p:spPr>
           <a:xfrm>
             <a:off x="1814400" y="8354520"/>
-            <a:ext cx="1440720" cy="1256760"/>
+            <a:ext cx="1440360" cy="1256400"/>
           </a:xfrm>
           <a:prstGeom prst="rect">
             <a:avLst/>
@@ -14585,7 +14585,7 @@
         <p:spPr>
           <a:xfrm>
             <a:off x="705600" y="3553200"/>
-            <a:ext cx="6723720" cy="577080"/>
+            <a:ext cx="6723360" cy="577080"/>
           </a:xfrm>
           <a:prstGeom prst="rect">
             <a:avLst/>
@@ -14642,7 +14642,7 @@
         <p:spPr>
           <a:xfrm>
             <a:off x="1454400" y="4124520"/>
-            <a:ext cx="5369400" cy="638280"/>
+            <a:ext cx="5369040" cy="638280"/>
           </a:xfrm>
           <a:prstGeom prst="rect">
             <a:avLst/>
@@ -14699,7 +14699,7 @@
         <p:spPr>
           <a:xfrm>
             <a:off x="2985840" y="8685000"/>
-            <a:ext cx="4280040" cy="591840"/>
+            <a:ext cx="4279680" cy="591840"/>
           </a:xfrm>
           <a:prstGeom prst="rect">
             <a:avLst/>
@@ -14792,7 +14792,7 @@
         <p:spPr>
           <a:xfrm>
             <a:off x="3722400" y="8210520"/>
-            <a:ext cx="3117240" cy="942840"/>
+            <a:ext cx="3116880" cy="942840"/>
           </a:xfrm>
           <a:prstGeom prst="rect">
             <a:avLst/>
@@ -14829,7 +14829,7 @@
                 <a:latin typeface="Courgette"/>
                 <a:ea typeface="Courgette"/>
               </a:rPr>
-              <a:t>MAJ  {signaturer}</a:t>
+              <a:t>MAJ {signaturer}</a:t>
             </a:r>
             <a:endParaRPr b="0" lang="en-AU" sz="2800" spc="-1" strike="noStrike">
               <a:solidFill>
@@ -14865,7 +14865,7 @@
         <p:spPr>
           <a:xfrm flipH="1">
             <a:off x="3722400" y="8696520"/>
-            <a:ext cx="2817720" cy="3600"/>
+            <a:ext cx="2818080" cy="3960"/>
           </a:xfrm>
           <a:prstGeom prst="straightConnector1">
             <a:avLst/>
@@ -14887,7 +14887,7 @@
         <p:spPr>
           <a:xfrm>
             <a:off x="885600" y="5668920"/>
-            <a:ext cx="6496200" cy="699480"/>
+            <a:ext cx="6495840" cy="699480"/>
           </a:xfrm>
           <a:prstGeom prst="rect">
             <a:avLst/>
@@ -14984,7 +14984,7 @@
         <p:spPr>
           <a:xfrm>
             <a:off x="817920" y="6433920"/>
-            <a:ext cx="6496200" cy="577080"/>
+            <a:ext cx="6495840" cy="577080"/>
           </a:xfrm>
           <a:prstGeom prst="rect">
             <a:avLst/>
@@ -15041,7 +15041,7 @@
         <p:spPr>
           <a:xfrm>
             <a:off x="874800" y="7119720"/>
-            <a:ext cx="6496200" cy="699480"/>
+            <a:ext cx="6495840" cy="699480"/>
           </a:xfrm>
           <a:prstGeom prst="rect">
             <a:avLst/>
@@ -15144,7 +15144,7 @@
         <p:spPr>
           <a:xfrm>
             <a:off x="896400" y="4833720"/>
-            <a:ext cx="6496200" cy="699480"/>
+            <a:ext cx="6495840" cy="699480"/>
           </a:xfrm>
           <a:prstGeom prst="rect">
             <a:avLst/>
@@ -15228,7 +15228,7 @@
         <p:spPr>
           <a:xfrm>
             <a:off x="3081600" y="1530000"/>
-            <a:ext cx="1955880" cy="1511640"/>
+            <a:ext cx="1955520" cy="1511280"/>
           </a:xfrm>
           <a:prstGeom prst="rect">
             <a:avLst/>

--- a/templates/Bulk Template.pptx
+++ b/templates/Bulk Template.pptx
@@ -78,7 +78,7 @@
         <p:txBody>
           <a:bodyPr/>
           <a:p>
-            <a:fld id="{AB66529F-D59D-41FC-AFED-9DA6CA723784}" type="slidenum">
+            <a:fld id="{559CAD16-D01D-4618-BB22-E4C0547B09F5}" type="slidenum">
               <a:t>&lt;#&gt;</a:t>
             </a:fld>
           </a:p>
@@ -287,7 +287,7 @@
         <p:txBody>
           <a:bodyPr/>
           <a:p>
-            <a:fld id="{EB267C96-620B-4C0E-A162-90EDB5082002}" type="slidenum">
+            <a:fld id="{981A38BF-168E-41BB-8085-BC952E0A54BB}" type="slidenum">
               <a:t>&lt;#&gt;</a:t>
             </a:fld>
           </a:p>
@@ -582,7 +582,7 @@
         <p:txBody>
           <a:bodyPr/>
           <a:p>
-            <a:fld id="{D12071F3-8E0E-4C46-9453-06A1F9948A80}" type="slidenum">
+            <a:fld id="{E8B26555-FB4B-40F4-9ACC-A690A2D49235}" type="slidenum">
               <a:t>&lt;#&gt;</a:t>
             </a:fld>
           </a:p>
@@ -963,7 +963,7 @@
         <p:txBody>
           <a:bodyPr/>
           <a:p>
-            <a:fld id="{461A2E66-7C9C-48B7-AA81-7D93846BAA57}" type="slidenum">
+            <a:fld id="{99530C4E-97EA-4FCB-B75B-2ABDB5F019C9}" type="slidenum">
               <a:t>&lt;#&gt;</a:t>
             </a:fld>
           </a:p>
@@ -1126,7 +1126,7 @@
         <p:txBody>
           <a:bodyPr/>
           <a:p>
-            <a:fld id="{56A16054-1A06-4B88-BBE3-28E61E0D9616}" type="slidenum">
+            <a:fld id="{F82D63F7-CDC5-4397-B5A6-4DDF387E421F}" type="slidenum">
               <a:t>&lt;#&gt;</a:t>
             </a:fld>
           </a:p>
@@ -1292,7 +1292,7 @@
         <p:txBody>
           <a:bodyPr/>
           <a:p>
-            <a:fld id="{2C2EB64D-98BC-47B0-BAB0-842CEF2CDFAE}" type="slidenum">
+            <a:fld id="{3A151D15-CCC1-46FD-B53C-2D08DAFF78BF}" type="slidenum">
               <a:t>&lt;#&gt;</a:t>
             </a:fld>
           </a:p>
@@ -1501,7 +1501,7 @@
         <p:txBody>
           <a:bodyPr/>
           <a:p>
-            <a:fld id="{BC508748-FB21-48A4-AD50-81222FF5A904}" type="slidenum">
+            <a:fld id="{A0265101-09B4-4942-B522-28541AD807DD}" type="slidenum">
               <a:t>&lt;#&gt;</a:t>
             </a:fld>
           </a:p>
@@ -1624,7 +1624,7 @@
         <p:txBody>
           <a:bodyPr/>
           <a:p>
-            <a:fld id="{E26BCAEE-FA0A-44EF-B1CE-2A59F96684C9}" type="slidenum">
+            <a:fld id="{F22644D2-766B-4E69-978F-FCB6B70FEF7E}" type="slidenum">
               <a:t>&lt;#&gt;</a:t>
             </a:fld>
           </a:p>
@@ -1745,7 +1745,7 @@
         <p:txBody>
           <a:bodyPr/>
           <a:p>
-            <a:fld id="{95AA4AF1-BAEA-44F5-A519-C19EBD7C0A07}" type="slidenum">
+            <a:fld id="{39C1E799-3E57-4906-8DF2-7DC0E9722418}" type="slidenum">
               <a:t>&lt;#&gt;</a:t>
             </a:fld>
           </a:p>
@@ -1997,7 +1997,7 @@
         <p:txBody>
           <a:bodyPr/>
           <a:p>
-            <a:fld id="{4B986FFE-569B-4136-B90D-88DE52357DF0}" type="slidenum">
+            <a:fld id="{B06E0F99-C14D-4615-9120-DF7CF161F98B}" type="slidenum">
               <a:t>&lt;#&gt;</a:t>
             </a:fld>
           </a:p>
@@ -2249,7 +2249,7 @@
         <p:txBody>
           <a:bodyPr/>
           <a:p>
-            <a:fld id="{FF621413-9179-46B6-80FC-08664096977E}" type="slidenum">
+            <a:fld id="{BB703A99-A273-4DE5-AC53-172A790B6F4C}" type="slidenum">
               <a:t>&lt;#&gt;</a:t>
             </a:fld>
           </a:p>
@@ -2501,7 +2501,7 @@
         <p:txBody>
           <a:bodyPr/>
           <a:p>
-            <a:fld id="{3513FA97-16D9-4448-9FE5-3DE7C2AB4F26}" type="slidenum">
+            <a:fld id="{489569C8-C897-4C30-BCBB-C6B56E8EC33B}" type="slidenum">
               <a:t>&lt;#&gt;</a:t>
             </a:fld>
           </a:p>
@@ -2570,7 +2570,7 @@
         <p:spPr>
           <a:xfrm>
             <a:off x="2742840" y="10443960"/>
-            <a:ext cx="2790720" cy="595800"/>
+            <a:ext cx="2790360" cy="595440"/>
           </a:xfrm>
           <a:prstGeom prst="rect">
             <a:avLst/>
@@ -2642,7 +2642,7 @@
         <p:spPr>
           <a:xfrm>
             <a:off x="5848200" y="10443960"/>
-            <a:ext cx="1859040" cy="595800"/>
+            <a:ext cx="1858680" cy="595440"/>
           </a:xfrm>
           <a:prstGeom prst="rect">
             <a:avLst/>
@@ -2684,7 +2684,7 @@
                 <a:tab algn="l" pos="0"/>
               </a:tabLst>
             </a:pPr>
-            <a:fld id="{9473CC08-6EA8-49B3-89DA-E9CCF22984CC}" type="slidenum">
+            <a:fld id="{73D2D07A-891B-4466-8580-D20474186167}" type="slidenum">
               <a:rPr b="0" lang="en-AU" sz="1090" spc="-1" strike="noStrike">
                 <a:solidFill>
                   <a:srgbClr val="888888"/>
@@ -2716,7 +2716,7 @@
         <p:spPr>
           <a:xfrm>
             <a:off x="569160" y="10443960"/>
-            <a:ext cx="1859040" cy="595800"/>
+            <a:ext cx="1858680" cy="595440"/>
           </a:xfrm>
           <a:prstGeom prst="rect">
             <a:avLst/>
@@ -3086,8 +3086,8 @@
         </p:blipFill>
         <p:spPr>
           <a:xfrm rot="5400000">
-            <a:off x="-1035720" y="2157120"/>
-            <a:ext cx="10509120" cy="7114680"/>
+            <a:off x="-1035000" y="2157120"/>
+            <a:ext cx="10508760" cy="7114320"/>
           </a:xfrm>
           <a:prstGeom prst="rect">
             <a:avLst/>
@@ -3110,7 +3110,7 @@
         <p:spPr>
           <a:xfrm>
             <a:off x="714240" y="723960"/>
-            <a:ext cx="6699960" cy="9797400"/>
+            <a:ext cx="6699600" cy="9797040"/>
           </a:xfrm>
           <a:prstGeom prst="rect">
             <a:avLst/>
@@ -3133,8 +3133,8 @@
         </p:blipFill>
         <p:spPr>
           <a:xfrm rot="5400000">
-            <a:off x="-1504800" y="1473840"/>
-            <a:ext cx="11296440" cy="8276400"/>
+            <a:off x="-1504080" y="1473480"/>
+            <a:ext cx="11296080" cy="8276040"/>
           </a:xfrm>
           <a:prstGeom prst="rect">
             <a:avLst/>
@@ -3157,7 +3157,7 @@
         <p:spPr>
           <a:xfrm>
             <a:off x="1814040" y="8340840"/>
-            <a:ext cx="1440360" cy="1256400"/>
+            <a:ext cx="1440000" cy="1256040"/>
           </a:xfrm>
           <a:prstGeom prst="rect">
             <a:avLst/>
@@ -3176,7 +3176,7 @@
         <p:spPr>
           <a:xfrm>
             <a:off x="712800" y="3028320"/>
-            <a:ext cx="6722640" cy="1064160"/>
+            <a:ext cx="6722280" cy="1064160"/>
           </a:xfrm>
           <a:prstGeom prst="rect">
             <a:avLst/>
@@ -3233,7 +3233,7 @@
         <p:spPr>
           <a:xfrm>
             <a:off x="1390680" y="4144320"/>
-            <a:ext cx="5369040" cy="638280"/>
+            <a:ext cx="5368680" cy="638280"/>
           </a:xfrm>
           <a:prstGeom prst="rect">
             <a:avLst/>
@@ -3290,7 +3290,7 @@
         <p:spPr>
           <a:xfrm>
             <a:off x="2985840" y="8685000"/>
-            <a:ext cx="4281840" cy="591840"/>
+            <a:ext cx="4281480" cy="591840"/>
           </a:xfrm>
           <a:prstGeom prst="rect">
             <a:avLst/>
@@ -3373,7 +3373,7 @@
         <p:spPr>
           <a:xfrm>
             <a:off x="3721320" y="8197200"/>
-            <a:ext cx="2937960" cy="516240"/>
+            <a:ext cx="2937600" cy="516240"/>
           </a:xfrm>
           <a:prstGeom prst="rect">
             <a:avLst/>
@@ -3430,7 +3430,7 @@
         <p:spPr>
           <a:xfrm flipH="1">
             <a:off x="3720960" y="8684280"/>
-            <a:ext cx="2818080" cy="3960"/>
+            <a:ext cx="2818440" cy="4320"/>
           </a:xfrm>
           <a:prstGeom prst="straightConnector1">
             <a:avLst/>
@@ -3452,7 +3452,7 @@
         <p:spPr>
           <a:xfrm>
             <a:off x="889200" y="5752800"/>
-            <a:ext cx="6495840" cy="699480"/>
+            <a:ext cx="6495480" cy="699480"/>
           </a:xfrm>
           <a:prstGeom prst="rect">
             <a:avLst/>
@@ -3529,7 +3529,7 @@
                 <a:latin typeface="Times New Roman"/>
                 <a:ea typeface="Times New Roman"/>
               </a:rPr>
-              <a:t> Commanding Officer, Australian Special Operations Taskforce, hereby grant</a:t>
+              <a:t> Officer Commanding, Australian Special Operations Taskforce, hereby grant</a:t>
             </a:r>
             <a:endParaRPr b="0" lang="en-AU" sz="2000" spc="-1" strike="noStrike">
               <a:solidFill>
@@ -3549,7 +3549,7 @@
         <p:spPr>
           <a:xfrm>
             <a:off x="817920" y="6433920"/>
-            <a:ext cx="6495840" cy="577080"/>
+            <a:ext cx="6495480" cy="577080"/>
           </a:xfrm>
           <a:prstGeom prst="rect">
             <a:avLst/>
@@ -3606,7 +3606,7 @@
         <p:spPr>
           <a:xfrm>
             <a:off x="886320" y="7030440"/>
-            <a:ext cx="6495840" cy="394560"/>
+            <a:ext cx="6495480" cy="394560"/>
           </a:xfrm>
           <a:prstGeom prst="rect">
             <a:avLst/>
@@ -3693,7 +3693,7 @@
         <p:spPr>
           <a:xfrm>
             <a:off x="817920" y="4791600"/>
-            <a:ext cx="6495840" cy="1004400"/>
+            <a:ext cx="6495480" cy="1004400"/>
           </a:xfrm>
           <a:prstGeom prst="rect">
             <a:avLst/>
@@ -3764,7 +3764,7 @@
         <p:spPr>
           <a:xfrm>
             <a:off x="2922480" y="1274040"/>
-            <a:ext cx="2283840" cy="1603440"/>
+            <a:ext cx="2283480" cy="1603080"/>
           </a:xfrm>
           <a:prstGeom prst="rect">
             <a:avLst/>
@@ -3816,8 +3816,8 @@
         </p:blipFill>
         <p:spPr>
           <a:xfrm rot="5400000">
-            <a:off x="-1114200" y="2058480"/>
-            <a:ext cx="10509120" cy="7114680"/>
+            <a:off x="-1113480" y="2058480"/>
+            <a:ext cx="10508760" cy="7114320"/>
           </a:xfrm>
           <a:prstGeom prst="rect">
             <a:avLst/>
@@ -3840,7 +3840,7 @@
         <p:spPr>
           <a:xfrm>
             <a:off x="712800" y="723600"/>
-            <a:ext cx="6701040" cy="9800640"/>
+            <a:ext cx="6700680" cy="9800280"/>
           </a:xfrm>
           <a:prstGeom prst="rect">
             <a:avLst/>
@@ -3863,8 +3863,8 @@
         </p:blipFill>
         <p:spPr>
           <a:xfrm rot="5400000">
-            <a:off x="-1502280" y="1473840"/>
-            <a:ext cx="11296440" cy="8276400"/>
+            <a:off x="-1501560" y="1473480"/>
+            <a:ext cx="11296080" cy="8276040"/>
           </a:xfrm>
           <a:prstGeom prst="rect">
             <a:avLst/>
@@ -3887,7 +3887,7 @@
         <p:spPr>
           <a:xfrm>
             <a:off x="1814400" y="8354520"/>
-            <a:ext cx="1440360" cy="1256400"/>
+            <a:ext cx="1440000" cy="1256040"/>
           </a:xfrm>
           <a:prstGeom prst="rect">
             <a:avLst/>
@@ -3906,7 +3906,7 @@
         <p:spPr>
           <a:xfrm>
             <a:off x="705600" y="3553200"/>
-            <a:ext cx="6723360" cy="577080"/>
+            <a:ext cx="6723000" cy="577080"/>
           </a:xfrm>
           <a:prstGeom prst="rect">
             <a:avLst/>
@@ -3963,7 +3963,7 @@
         <p:spPr>
           <a:xfrm>
             <a:off x="1454400" y="4124520"/>
-            <a:ext cx="5369040" cy="638280"/>
+            <a:ext cx="5368680" cy="638280"/>
           </a:xfrm>
           <a:prstGeom prst="rect">
             <a:avLst/>
@@ -4020,7 +4020,7 @@
         <p:spPr>
           <a:xfrm>
             <a:off x="2985840" y="8685000"/>
-            <a:ext cx="4279680" cy="591840"/>
+            <a:ext cx="4279320" cy="591840"/>
           </a:xfrm>
           <a:prstGeom prst="rect">
             <a:avLst/>
@@ -4113,7 +4113,7 @@
         <p:spPr>
           <a:xfrm>
             <a:off x="3722400" y="8210520"/>
-            <a:ext cx="3116880" cy="516240"/>
+            <a:ext cx="3116520" cy="516240"/>
           </a:xfrm>
           <a:prstGeom prst="rect">
             <a:avLst/>
@@ -4170,7 +4170,7 @@
         <p:spPr>
           <a:xfrm flipH="1">
             <a:off x="3722400" y="8696520"/>
-            <a:ext cx="2818080" cy="3960"/>
+            <a:ext cx="2818440" cy="4320"/>
           </a:xfrm>
           <a:prstGeom prst="straightConnector1">
             <a:avLst/>
@@ -4192,7 +4192,7 @@
         <p:spPr>
           <a:xfrm>
             <a:off x="885600" y="5668920"/>
-            <a:ext cx="6495840" cy="699480"/>
+            <a:ext cx="6495480" cy="699480"/>
           </a:xfrm>
           <a:prstGeom prst="rect">
             <a:avLst/>
@@ -4269,7 +4269,7 @@
                 <a:latin typeface="Times New Roman"/>
                 <a:ea typeface="Times New Roman"/>
               </a:rPr>
-              <a:t> Commanding Officer, Australian Special Operations Taskforce, hereby promote</a:t>
+              <a:t> Officer Commanding, Australian Special Operations Taskforce, hereby promote</a:t>
             </a:r>
             <a:endParaRPr b="0" lang="en-AU" sz="2000" spc="-1" strike="noStrike">
               <a:solidFill>
@@ -4289,7 +4289,7 @@
         <p:spPr>
           <a:xfrm>
             <a:off x="817920" y="6433920"/>
-            <a:ext cx="6495840" cy="577080"/>
+            <a:ext cx="6495480" cy="577080"/>
           </a:xfrm>
           <a:prstGeom prst="rect">
             <a:avLst/>
@@ -4346,7 +4346,7 @@
         <p:spPr>
           <a:xfrm>
             <a:off x="874800" y="7119720"/>
-            <a:ext cx="6495840" cy="699480"/>
+            <a:ext cx="6495480" cy="699480"/>
           </a:xfrm>
           <a:prstGeom prst="rect">
             <a:avLst/>
@@ -4449,7 +4449,7 @@
         <p:spPr>
           <a:xfrm>
             <a:off x="896400" y="4833720"/>
-            <a:ext cx="6495840" cy="699480"/>
+            <a:ext cx="6495480" cy="699480"/>
           </a:xfrm>
           <a:prstGeom prst="rect">
             <a:avLst/>
@@ -4533,7 +4533,7 @@
         <p:spPr>
           <a:xfrm>
             <a:off x="3147480" y="1544760"/>
-            <a:ext cx="1823760" cy="1511280"/>
+            <a:ext cx="1823400" cy="1510920"/>
           </a:xfrm>
           <a:prstGeom prst="rect">
             <a:avLst/>
@@ -4585,8 +4585,8 @@
         </p:blipFill>
         <p:spPr>
           <a:xfrm rot="5400000">
-            <a:off x="-1114200" y="2058480"/>
-            <a:ext cx="10509120" cy="7114680"/>
+            <a:off x="-1113480" y="2058480"/>
+            <a:ext cx="10508760" cy="7114320"/>
           </a:xfrm>
           <a:prstGeom prst="rect">
             <a:avLst/>
@@ -4609,7 +4609,7 @@
         <p:spPr>
           <a:xfrm>
             <a:off x="712800" y="723600"/>
-            <a:ext cx="6701040" cy="9800640"/>
+            <a:ext cx="6700680" cy="9800280"/>
           </a:xfrm>
           <a:prstGeom prst="rect">
             <a:avLst/>
@@ -4632,8 +4632,8 @@
         </p:blipFill>
         <p:spPr>
           <a:xfrm rot="5400000">
-            <a:off x="-1502280" y="1473840"/>
-            <a:ext cx="11296440" cy="8276400"/>
+            <a:off x="-1501560" y="1473480"/>
+            <a:ext cx="11296080" cy="8276040"/>
           </a:xfrm>
           <a:prstGeom prst="rect">
             <a:avLst/>
@@ -4656,7 +4656,7 @@
         <p:spPr>
           <a:xfrm>
             <a:off x="1814400" y="8354520"/>
-            <a:ext cx="1440360" cy="1256400"/>
+            <a:ext cx="1440000" cy="1256040"/>
           </a:xfrm>
           <a:prstGeom prst="rect">
             <a:avLst/>
@@ -4675,7 +4675,7 @@
         <p:spPr>
           <a:xfrm>
             <a:off x="705600" y="3553200"/>
-            <a:ext cx="6723360" cy="577080"/>
+            <a:ext cx="6723000" cy="577080"/>
           </a:xfrm>
           <a:prstGeom prst="rect">
             <a:avLst/>
@@ -4732,7 +4732,7 @@
         <p:spPr>
           <a:xfrm>
             <a:off x="1454400" y="4124520"/>
-            <a:ext cx="5369040" cy="638280"/>
+            <a:ext cx="5368680" cy="638280"/>
           </a:xfrm>
           <a:prstGeom prst="rect">
             <a:avLst/>
@@ -4789,7 +4789,7 @@
         <p:spPr>
           <a:xfrm>
             <a:off x="2985840" y="8685000"/>
-            <a:ext cx="4279680" cy="591840"/>
+            <a:ext cx="4279320" cy="591840"/>
           </a:xfrm>
           <a:prstGeom prst="rect">
             <a:avLst/>
@@ -4872,7 +4872,7 @@
         <p:spPr>
           <a:xfrm>
             <a:off x="3722400" y="8210520"/>
-            <a:ext cx="3116880" cy="516240"/>
+            <a:ext cx="3116520" cy="516240"/>
           </a:xfrm>
           <a:prstGeom prst="rect">
             <a:avLst/>
@@ -4929,7 +4929,7 @@
         <p:spPr>
           <a:xfrm flipH="1">
             <a:off x="3722400" y="8696520"/>
-            <a:ext cx="2818080" cy="3960"/>
+            <a:ext cx="2818440" cy="4320"/>
           </a:xfrm>
           <a:prstGeom prst="straightConnector1">
             <a:avLst/>
@@ -4951,7 +4951,7 @@
         <p:spPr>
           <a:xfrm>
             <a:off x="885600" y="5668920"/>
-            <a:ext cx="6495840" cy="699480"/>
+            <a:ext cx="6495480" cy="699480"/>
           </a:xfrm>
           <a:prstGeom prst="rect">
             <a:avLst/>
@@ -5028,7 +5028,7 @@
                 <a:latin typeface="Times New Roman"/>
                 <a:ea typeface="Times New Roman"/>
               </a:rPr>
-              <a:t> Commanding Officer, Australian Special Operations Taskforce, hereby promote</a:t>
+              <a:t> Officer Commanding, Australian Special Operations Taskforce, hereby promote</a:t>
             </a:r>
             <a:endParaRPr b="0" lang="en-AU" sz="2000" spc="-1" strike="noStrike">
               <a:solidFill>
@@ -5048,7 +5048,7 @@
         <p:spPr>
           <a:xfrm>
             <a:off x="817920" y="6433920"/>
-            <a:ext cx="6495840" cy="577080"/>
+            <a:ext cx="6495480" cy="577080"/>
           </a:xfrm>
           <a:prstGeom prst="rect">
             <a:avLst/>
@@ -5105,7 +5105,7 @@
         <p:spPr>
           <a:xfrm>
             <a:off x="874800" y="7119720"/>
-            <a:ext cx="6495840" cy="699480"/>
+            <a:ext cx="6495480" cy="699480"/>
           </a:xfrm>
           <a:prstGeom prst="rect">
             <a:avLst/>
@@ -5208,7 +5208,7 @@
         <p:spPr>
           <a:xfrm>
             <a:off x="896400" y="4833720"/>
-            <a:ext cx="6495840" cy="699480"/>
+            <a:ext cx="6495480" cy="699480"/>
           </a:xfrm>
           <a:prstGeom prst="rect">
             <a:avLst/>
@@ -5292,7 +5292,7 @@
         <p:spPr>
           <a:xfrm>
             <a:off x="3101400" y="1388880"/>
-            <a:ext cx="1926360" cy="1926360"/>
+            <a:ext cx="1926000" cy="1926000"/>
           </a:xfrm>
           <a:prstGeom prst="rect">
             <a:avLst/>
@@ -5344,8 +5344,8 @@
         </p:blipFill>
         <p:spPr>
           <a:xfrm rot="5400000">
-            <a:off x="-1114200" y="2058480"/>
-            <a:ext cx="10509120" cy="7114680"/>
+            <a:off x="-1113480" y="2058480"/>
+            <a:ext cx="10508760" cy="7114320"/>
           </a:xfrm>
           <a:prstGeom prst="rect">
             <a:avLst/>
@@ -5368,7 +5368,7 @@
         <p:spPr>
           <a:xfrm>
             <a:off x="712800" y="723600"/>
-            <a:ext cx="6701040" cy="9800640"/>
+            <a:ext cx="6700680" cy="9800280"/>
           </a:xfrm>
           <a:prstGeom prst="rect">
             <a:avLst/>
@@ -5391,8 +5391,8 @@
         </p:blipFill>
         <p:spPr>
           <a:xfrm rot="5400000">
-            <a:off x="-1502280" y="1473840"/>
-            <a:ext cx="11296440" cy="8276400"/>
+            <a:off x="-1501560" y="1473480"/>
+            <a:ext cx="11296080" cy="8276040"/>
           </a:xfrm>
           <a:prstGeom prst="rect">
             <a:avLst/>
@@ -5415,7 +5415,7 @@
         <p:spPr>
           <a:xfrm>
             <a:off x="1814400" y="8354520"/>
-            <a:ext cx="1440360" cy="1256400"/>
+            <a:ext cx="1440000" cy="1256040"/>
           </a:xfrm>
           <a:prstGeom prst="rect">
             <a:avLst/>
@@ -5434,7 +5434,7 @@
         <p:spPr>
           <a:xfrm>
             <a:off x="705600" y="3553200"/>
-            <a:ext cx="6723360" cy="577080"/>
+            <a:ext cx="6723000" cy="577080"/>
           </a:xfrm>
           <a:prstGeom prst="rect">
             <a:avLst/>
@@ -5491,7 +5491,7 @@
         <p:spPr>
           <a:xfrm>
             <a:off x="1454400" y="4124520"/>
-            <a:ext cx="5369040" cy="638280"/>
+            <a:ext cx="5368680" cy="638280"/>
           </a:xfrm>
           <a:prstGeom prst="rect">
             <a:avLst/>
@@ -5548,7 +5548,7 @@
         <p:spPr>
           <a:xfrm>
             <a:off x="2985840" y="8685000"/>
-            <a:ext cx="4279680" cy="591840"/>
+            <a:ext cx="4279320" cy="591840"/>
           </a:xfrm>
           <a:prstGeom prst="rect">
             <a:avLst/>
@@ -5641,7 +5641,7 @@
         <p:spPr>
           <a:xfrm>
             <a:off x="3722400" y="8210520"/>
-            <a:ext cx="3116880" cy="516240"/>
+            <a:ext cx="3116520" cy="516240"/>
           </a:xfrm>
           <a:prstGeom prst="rect">
             <a:avLst/>
@@ -5698,7 +5698,7 @@
         <p:spPr>
           <a:xfrm flipH="1">
             <a:off x="3722400" y="8696520"/>
-            <a:ext cx="2818080" cy="3960"/>
+            <a:ext cx="2818440" cy="4320"/>
           </a:xfrm>
           <a:prstGeom prst="straightConnector1">
             <a:avLst/>
@@ -5720,7 +5720,7 @@
         <p:spPr>
           <a:xfrm>
             <a:off x="885600" y="5668920"/>
-            <a:ext cx="6495840" cy="699480"/>
+            <a:ext cx="6495480" cy="699480"/>
           </a:xfrm>
           <a:prstGeom prst="rect">
             <a:avLst/>
@@ -5797,7 +5797,7 @@
                 <a:latin typeface="Times New Roman"/>
                 <a:ea typeface="Times New Roman"/>
               </a:rPr>
-              <a:t> Commanding Officer, Australian Special Operations Taskforce, hereby promote</a:t>
+              <a:t> Officer Commanding, Australian Special Operations Taskforce, hereby promote</a:t>
             </a:r>
             <a:endParaRPr b="0" lang="en-AU" sz="2000" spc="-1" strike="noStrike">
               <a:solidFill>
@@ -5817,7 +5817,7 @@
         <p:spPr>
           <a:xfrm>
             <a:off x="817920" y="6433920"/>
-            <a:ext cx="6495840" cy="577080"/>
+            <a:ext cx="6495480" cy="577080"/>
           </a:xfrm>
           <a:prstGeom prst="rect">
             <a:avLst/>
@@ -5874,7 +5874,7 @@
         <p:spPr>
           <a:xfrm>
             <a:off x="874800" y="7119720"/>
-            <a:ext cx="6495840" cy="699480"/>
+            <a:ext cx="6495480" cy="699480"/>
           </a:xfrm>
           <a:prstGeom prst="rect">
             <a:avLst/>
@@ -5977,7 +5977,7 @@
         <p:spPr>
           <a:xfrm>
             <a:off x="896400" y="4833720"/>
-            <a:ext cx="6495840" cy="699480"/>
+            <a:ext cx="6495480" cy="699480"/>
           </a:xfrm>
           <a:prstGeom prst="rect">
             <a:avLst/>
@@ -6061,7 +6061,7 @@
         <p:spPr>
           <a:xfrm>
             <a:off x="3057120" y="1412280"/>
-            <a:ext cx="2014920" cy="1621440"/>
+            <a:ext cx="2014560" cy="1621080"/>
           </a:xfrm>
           <a:prstGeom prst="rect">
             <a:avLst/>
@@ -6113,8 +6113,8 @@
         </p:blipFill>
         <p:spPr>
           <a:xfrm rot="5400000">
-            <a:off x="-1114200" y="2058480"/>
-            <a:ext cx="10509120" cy="7114680"/>
+            <a:off x="-1113480" y="2058480"/>
+            <a:ext cx="10508760" cy="7114320"/>
           </a:xfrm>
           <a:prstGeom prst="rect">
             <a:avLst/>
@@ -6137,7 +6137,7 @@
         <p:spPr>
           <a:xfrm>
             <a:off x="712800" y="723600"/>
-            <a:ext cx="6701040" cy="9800640"/>
+            <a:ext cx="6700680" cy="9800280"/>
           </a:xfrm>
           <a:prstGeom prst="rect">
             <a:avLst/>
@@ -6160,8 +6160,8 @@
         </p:blipFill>
         <p:spPr>
           <a:xfrm rot="5400000">
-            <a:off x="-1502280" y="1473840"/>
-            <a:ext cx="11296440" cy="8276400"/>
+            <a:off x="-1501560" y="1473480"/>
+            <a:ext cx="11296080" cy="8276040"/>
           </a:xfrm>
           <a:prstGeom prst="rect">
             <a:avLst/>
@@ -6184,7 +6184,7 @@
         <p:spPr>
           <a:xfrm>
             <a:off x="1814400" y="8354520"/>
-            <a:ext cx="1440360" cy="1256400"/>
+            <a:ext cx="1440000" cy="1256040"/>
           </a:xfrm>
           <a:prstGeom prst="rect">
             <a:avLst/>
@@ -6203,7 +6203,7 @@
         <p:spPr>
           <a:xfrm>
             <a:off x="705600" y="3553200"/>
-            <a:ext cx="6723360" cy="577080"/>
+            <a:ext cx="6723000" cy="577080"/>
           </a:xfrm>
           <a:prstGeom prst="rect">
             <a:avLst/>
@@ -6260,7 +6260,7 @@
         <p:spPr>
           <a:xfrm>
             <a:off x="1454400" y="4124520"/>
-            <a:ext cx="5369040" cy="638280"/>
+            <a:ext cx="5368680" cy="638280"/>
           </a:xfrm>
           <a:prstGeom prst="rect">
             <a:avLst/>
@@ -6317,7 +6317,7 @@
         <p:spPr>
           <a:xfrm>
             <a:off x="2985840" y="8685000"/>
-            <a:ext cx="4279680" cy="591840"/>
+            <a:ext cx="4279320" cy="591840"/>
           </a:xfrm>
           <a:prstGeom prst="rect">
             <a:avLst/>
@@ -6410,7 +6410,7 @@
         <p:spPr>
           <a:xfrm>
             <a:off x="3722400" y="8210520"/>
-            <a:ext cx="3116880" cy="516240"/>
+            <a:ext cx="3116520" cy="516240"/>
           </a:xfrm>
           <a:prstGeom prst="rect">
             <a:avLst/>
@@ -6467,7 +6467,7 @@
         <p:spPr>
           <a:xfrm flipH="1">
             <a:off x="3722400" y="8696520"/>
-            <a:ext cx="2818080" cy="3960"/>
+            <a:ext cx="2818440" cy="4320"/>
           </a:xfrm>
           <a:prstGeom prst="straightConnector1">
             <a:avLst/>
@@ -6489,7 +6489,7 @@
         <p:spPr>
           <a:xfrm>
             <a:off x="885600" y="5668920"/>
-            <a:ext cx="6495840" cy="699480"/>
+            <a:ext cx="6495480" cy="699480"/>
           </a:xfrm>
           <a:prstGeom prst="rect">
             <a:avLst/>
@@ -6566,7 +6566,7 @@
                 <a:latin typeface="Times New Roman"/>
                 <a:ea typeface="Times New Roman"/>
               </a:rPr>
-              <a:t> Commanding Officer, Australian Special Operations Taskforce, hereby promote</a:t>
+              <a:t> Officer Commanding, Australian Special Operations Taskforce, hereby promote</a:t>
             </a:r>
             <a:endParaRPr b="0" lang="en-AU" sz="2000" spc="-1" strike="noStrike">
               <a:solidFill>
@@ -6586,7 +6586,7 @@
         <p:spPr>
           <a:xfrm>
             <a:off x="817920" y="6433920"/>
-            <a:ext cx="6495840" cy="577080"/>
+            <a:ext cx="6495480" cy="577080"/>
           </a:xfrm>
           <a:prstGeom prst="rect">
             <a:avLst/>
@@ -6643,7 +6643,7 @@
         <p:spPr>
           <a:xfrm>
             <a:off x="874800" y="7119720"/>
-            <a:ext cx="6495840" cy="699480"/>
+            <a:ext cx="6495480" cy="699480"/>
           </a:xfrm>
           <a:prstGeom prst="rect">
             <a:avLst/>
@@ -6766,7 +6766,7 @@
         <p:spPr>
           <a:xfrm>
             <a:off x="896400" y="4833720"/>
-            <a:ext cx="6495840" cy="699480"/>
+            <a:ext cx="6495480" cy="699480"/>
           </a:xfrm>
           <a:prstGeom prst="rect">
             <a:avLst/>
@@ -6850,7 +6850,7 @@
         <p:spPr>
           <a:xfrm>
             <a:off x="3088800" y="1587600"/>
-            <a:ext cx="1951560" cy="1240560"/>
+            <a:ext cx="1951200" cy="1240200"/>
           </a:xfrm>
           <a:prstGeom prst="rect">
             <a:avLst/>
@@ -6902,8 +6902,8 @@
         </p:blipFill>
         <p:spPr>
           <a:xfrm rot="5400000">
-            <a:off x="-1114200" y="2058480"/>
-            <a:ext cx="10509120" cy="7114680"/>
+            <a:off x="-1113480" y="2058480"/>
+            <a:ext cx="10508760" cy="7114320"/>
           </a:xfrm>
           <a:prstGeom prst="rect">
             <a:avLst/>
@@ -6926,7 +6926,7 @@
         <p:spPr>
           <a:xfrm>
             <a:off x="714240" y="723960"/>
-            <a:ext cx="6699960" cy="9797400"/>
+            <a:ext cx="6699600" cy="9797040"/>
           </a:xfrm>
           <a:prstGeom prst="rect">
             <a:avLst/>
@@ -6949,8 +6949,8 @@
         </p:blipFill>
         <p:spPr>
           <a:xfrm rot="5400000">
-            <a:off x="-1502280" y="1473840"/>
-            <a:ext cx="11296440" cy="8276400"/>
+            <a:off x="-1501560" y="1473480"/>
+            <a:ext cx="11296080" cy="8276040"/>
           </a:xfrm>
           <a:prstGeom prst="rect">
             <a:avLst/>
@@ -6973,7 +6973,7 @@
         <p:spPr>
           <a:xfrm>
             <a:off x="1814400" y="8354520"/>
-            <a:ext cx="1440360" cy="1256400"/>
+            <a:ext cx="1440000" cy="1256040"/>
           </a:xfrm>
           <a:prstGeom prst="rect">
             <a:avLst/>
@@ -6992,7 +6992,7 @@
         <p:spPr>
           <a:xfrm>
             <a:off x="705600" y="3422520"/>
-            <a:ext cx="6722640" cy="577080"/>
+            <a:ext cx="6722280" cy="577080"/>
           </a:xfrm>
           <a:prstGeom prst="rect">
             <a:avLst/>
@@ -7049,7 +7049,7 @@
         <p:spPr>
           <a:xfrm>
             <a:off x="1454400" y="4110120"/>
-            <a:ext cx="5367960" cy="638280"/>
+            <a:ext cx="5367600" cy="638280"/>
           </a:xfrm>
           <a:prstGeom prst="rect">
             <a:avLst/>
@@ -7106,7 +7106,7 @@
         <p:spPr>
           <a:xfrm>
             <a:off x="2984400" y="8700120"/>
-            <a:ext cx="4281840" cy="591840"/>
+            <a:ext cx="4281480" cy="591840"/>
           </a:xfrm>
           <a:prstGeom prst="rect">
             <a:avLst/>
@@ -7189,7 +7189,7 @@
         <p:spPr>
           <a:xfrm>
             <a:off x="3722400" y="8210520"/>
-            <a:ext cx="3116880" cy="516240"/>
+            <a:ext cx="3116520" cy="516240"/>
           </a:xfrm>
           <a:prstGeom prst="rect">
             <a:avLst/>
@@ -7246,7 +7246,7 @@
         <p:spPr>
           <a:xfrm flipH="1">
             <a:off x="3722400" y="8696520"/>
-            <a:ext cx="2818080" cy="3960"/>
+            <a:ext cx="2818440" cy="4320"/>
           </a:xfrm>
           <a:prstGeom prst="straightConnector1">
             <a:avLst/>
@@ -7268,7 +7268,7 @@
         <p:spPr>
           <a:xfrm>
             <a:off x="885600" y="5668920"/>
-            <a:ext cx="6495840" cy="699480"/>
+            <a:ext cx="6495480" cy="699480"/>
           </a:xfrm>
           <a:prstGeom prst="rect">
             <a:avLst/>
@@ -7345,7 +7345,7 @@
                 <a:latin typeface="Times New Roman"/>
                 <a:ea typeface="Times New Roman"/>
               </a:rPr>
-              <a:t> Commanding Officer, Australian Special Operations Taskforce, hereby promote</a:t>
+              <a:t> Officer Commanding, Australian Special Operations Taskforce, hereby promote</a:t>
             </a:r>
             <a:endParaRPr b="0" lang="en-AU" sz="2000" spc="-1" strike="noStrike">
               <a:solidFill>
@@ -7365,7 +7365,7 @@
         <p:spPr>
           <a:xfrm>
             <a:off x="817200" y="6446520"/>
-            <a:ext cx="6495840" cy="577080"/>
+            <a:ext cx="6495480" cy="577080"/>
           </a:xfrm>
           <a:prstGeom prst="rect">
             <a:avLst/>
@@ -7422,7 +7422,7 @@
         <p:spPr>
           <a:xfrm>
             <a:off x="874800" y="7119720"/>
-            <a:ext cx="6495840" cy="699480"/>
+            <a:ext cx="6495480" cy="699480"/>
           </a:xfrm>
           <a:prstGeom prst="rect">
             <a:avLst/>
@@ -7522,7 +7522,7 @@
         <p:spPr>
           <a:xfrm>
             <a:off x="896400" y="4833720"/>
-            <a:ext cx="6495840" cy="699480"/>
+            <a:ext cx="6495480" cy="699480"/>
           </a:xfrm>
           <a:prstGeom prst="rect">
             <a:avLst/>
@@ -7603,7 +7603,7 @@
         <p:spPr>
           <a:xfrm>
             <a:off x="2923200" y="1471320"/>
-            <a:ext cx="2283840" cy="1603440"/>
+            <a:ext cx="2283480" cy="1603080"/>
           </a:xfrm>
           <a:prstGeom prst="rect">
             <a:avLst/>
@@ -7655,8 +7655,8 @@
         </p:blipFill>
         <p:spPr>
           <a:xfrm rot="5400000">
-            <a:off x="-1114200" y="2058480"/>
-            <a:ext cx="10509120" cy="7114680"/>
+            <a:off x="-1113480" y="2058480"/>
+            <a:ext cx="10508760" cy="7114320"/>
           </a:xfrm>
           <a:prstGeom prst="rect">
             <a:avLst/>
@@ -7679,7 +7679,7 @@
         <p:spPr>
           <a:xfrm>
             <a:off x="712800" y="736920"/>
-            <a:ext cx="6701040" cy="9800640"/>
+            <a:ext cx="6700680" cy="9800280"/>
           </a:xfrm>
           <a:prstGeom prst="rect">
             <a:avLst/>
@@ -7702,8 +7702,8 @@
         </p:blipFill>
         <p:spPr>
           <a:xfrm rot="5400000">
-            <a:off x="-1502280" y="1473840"/>
-            <a:ext cx="11296440" cy="8276400"/>
+            <a:off x="-1501560" y="1473480"/>
+            <a:ext cx="11296080" cy="8276040"/>
           </a:xfrm>
           <a:prstGeom prst="rect">
             <a:avLst/>
@@ -7726,7 +7726,7 @@
         <p:spPr>
           <a:xfrm>
             <a:off x="1814400" y="8354520"/>
-            <a:ext cx="1440360" cy="1256400"/>
+            <a:ext cx="1440000" cy="1256040"/>
           </a:xfrm>
           <a:prstGeom prst="rect">
             <a:avLst/>
@@ -7745,7 +7745,7 @@
         <p:spPr>
           <a:xfrm>
             <a:off x="705600" y="3422520"/>
-            <a:ext cx="6722640" cy="577080"/>
+            <a:ext cx="6722280" cy="577080"/>
           </a:xfrm>
           <a:prstGeom prst="rect">
             <a:avLst/>
@@ -7802,7 +7802,7 @@
         <p:spPr>
           <a:xfrm>
             <a:off x="1454400" y="4124520"/>
-            <a:ext cx="5369040" cy="638280"/>
+            <a:ext cx="5368680" cy="638280"/>
           </a:xfrm>
           <a:prstGeom prst="rect">
             <a:avLst/>
@@ -7859,7 +7859,7 @@
         <p:spPr>
           <a:xfrm>
             <a:off x="2984400" y="8700120"/>
-            <a:ext cx="4281840" cy="591840"/>
+            <a:ext cx="4281480" cy="591840"/>
           </a:xfrm>
           <a:prstGeom prst="rect">
             <a:avLst/>
@@ -7952,7 +7952,7 @@
         <p:spPr>
           <a:xfrm>
             <a:off x="3722400" y="8210520"/>
-            <a:ext cx="3116880" cy="516240"/>
+            <a:ext cx="3116520" cy="516240"/>
           </a:xfrm>
           <a:prstGeom prst="rect">
             <a:avLst/>
@@ -8009,7 +8009,7 @@
         <p:spPr>
           <a:xfrm flipH="1">
             <a:off x="3722400" y="8696520"/>
-            <a:ext cx="2818080" cy="3960"/>
+            <a:ext cx="2818440" cy="4320"/>
           </a:xfrm>
           <a:prstGeom prst="straightConnector1">
             <a:avLst/>
@@ -8030,8 +8030,8 @@
         </p:nvSpPr>
         <p:spPr>
           <a:xfrm>
-            <a:off x="885600" y="5816520"/>
-            <a:ext cx="5801040" cy="699480"/>
+            <a:off x="885600" y="5742000"/>
+            <a:ext cx="6494400" cy="699480"/>
           </a:xfrm>
           <a:prstGeom prst="rect">
             <a:avLst/>
@@ -8108,7 +8108,7 @@
                 <a:latin typeface="Times New Roman"/>
                 <a:ea typeface="Times New Roman"/>
               </a:rPr>
-              <a:t> Commanding Officer, Australian Special Operations Taskforce, hereby grant</a:t>
+              <a:t> Officer Commanding, Australian Special Operations Taskforce, hereby promote</a:t>
             </a:r>
             <a:endParaRPr b="0" lang="en-AU" sz="2000" spc="-1" strike="noStrike">
               <a:solidFill>
@@ -8128,7 +8128,7 @@
         <p:spPr>
           <a:xfrm>
             <a:off x="817920" y="6433920"/>
-            <a:ext cx="6492240" cy="577080"/>
+            <a:ext cx="6491880" cy="577080"/>
           </a:xfrm>
           <a:prstGeom prst="rect">
             <a:avLst/>
@@ -8185,7 +8185,7 @@
         <p:spPr>
           <a:xfrm>
             <a:off x="874800" y="7119720"/>
-            <a:ext cx="6495840" cy="394560"/>
+            <a:ext cx="6495480" cy="394560"/>
           </a:xfrm>
           <a:prstGeom prst="rect">
             <a:avLst/>
@@ -8262,7 +8262,7 @@
         <p:spPr>
           <a:xfrm>
             <a:off x="862200" y="4820400"/>
-            <a:ext cx="6492600" cy="1004400"/>
+            <a:ext cx="6492240" cy="1004400"/>
           </a:xfrm>
           <a:prstGeom prst="rect">
             <a:avLst/>
@@ -8333,7 +8333,7 @@
         <p:spPr>
           <a:xfrm>
             <a:off x="2923200" y="1471320"/>
-            <a:ext cx="2283840" cy="1603440"/>
+            <a:ext cx="2283480" cy="1603080"/>
           </a:xfrm>
           <a:prstGeom prst="rect">
             <a:avLst/>
@@ -8385,8 +8385,8 @@
         </p:blipFill>
         <p:spPr>
           <a:xfrm rot="5400000">
-            <a:off x="-1114200" y="2058480"/>
-            <a:ext cx="10509120" cy="7114680"/>
+            <a:off x="-1113480" y="2058480"/>
+            <a:ext cx="10508760" cy="7114320"/>
           </a:xfrm>
           <a:prstGeom prst="rect">
             <a:avLst/>
@@ -8409,7 +8409,7 @@
         <p:spPr>
           <a:xfrm>
             <a:off x="712800" y="723600"/>
-            <a:ext cx="6701040" cy="9800640"/>
+            <a:ext cx="6700680" cy="9800280"/>
           </a:xfrm>
           <a:prstGeom prst="rect">
             <a:avLst/>
@@ -8432,8 +8432,8 @@
         </p:blipFill>
         <p:spPr>
           <a:xfrm rot="5400000">
-            <a:off x="-1502280" y="1473840"/>
-            <a:ext cx="11296440" cy="8276400"/>
+            <a:off x="-1501560" y="1473480"/>
+            <a:ext cx="11296080" cy="8276040"/>
           </a:xfrm>
           <a:prstGeom prst="rect">
             <a:avLst/>
@@ -8456,7 +8456,7 @@
         <p:spPr>
           <a:xfrm>
             <a:off x="1814400" y="8354520"/>
-            <a:ext cx="1440360" cy="1256400"/>
+            <a:ext cx="1440000" cy="1256040"/>
           </a:xfrm>
           <a:prstGeom prst="rect">
             <a:avLst/>
@@ -8475,7 +8475,7 @@
         <p:spPr>
           <a:xfrm>
             <a:off x="705600" y="3553200"/>
-            <a:ext cx="6723360" cy="577080"/>
+            <a:ext cx="6723000" cy="577080"/>
           </a:xfrm>
           <a:prstGeom prst="rect">
             <a:avLst/>
@@ -8532,7 +8532,7 @@
         <p:spPr>
           <a:xfrm>
             <a:off x="1454400" y="4124520"/>
-            <a:ext cx="5369040" cy="577080"/>
+            <a:ext cx="5368680" cy="577080"/>
           </a:xfrm>
           <a:prstGeom prst="rect">
             <a:avLst/>
@@ -8589,7 +8589,7 @@
         <p:spPr>
           <a:xfrm>
             <a:off x="2985840" y="8685000"/>
-            <a:ext cx="4279680" cy="591840"/>
+            <a:ext cx="4279320" cy="591840"/>
           </a:xfrm>
           <a:prstGeom prst="rect">
             <a:avLst/>
@@ -8639,7 +8639,7 @@
                 <a:latin typeface="Times New Roman"/>
                 <a:ea typeface="Times New Roman"/>
               </a:rPr>
-              <a:t>Commanding Officer</a:t>
+              <a:t>Officer Commanding</a:t>
             </a:r>
             <a:br>
               <a:rPr sz="1100"/>
@@ -8672,7 +8672,7 @@
         <p:spPr>
           <a:xfrm>
             <a:off x="3559320" y="8244000"/>
-            <a:ext cx="3279960" cy="516240"/>
+            <a:ext cx="3279600" cy="516240"/>
           </a:xfrm>
           <a:prstGeom prst="rect">
             <a:avLst/>
@@ -8729,7 +8729,7 @@
         <p:spPr>
           <a:xfrm flipH="1">
             <a:off x="3722400" y="8696520"/>
-            <a:ext cx="2818080" cy="3960"/>
+            <a:ext cx="2818440" cy="4320"/>
           </a:xfrm>
           <a:prstGeom prst="straightConnector1">
             <a:avLst/>
@@ -8751,7 +8751,7 @@
         <p:spPr>
           <a:xfrm>
             <a:off x="885600" y="5668920"/>
-            <a:ext cx="6495840" cy="699480"/>
+            <a:ext cx="6495480" cy="699480"/>
           </a:xfrm>
           <a:prstGeom prst="rect">
             <a:avLst/>
@@ -8808,7 +8808,7 @@
                 <a:latin typeface="Times New Roman"/>
                 <a:ea typeface="Times New Roman"/>
               </a:rPr>
-              <a:t> Commanding Officer, Australian Special Operations Taskforce, hereby promote</a:t>
+              <a:t> Officer Commanding, Australian Special Operations Taskforce, hereby promote</a:t>
             </a:r>
             <a:endParaRPr b="0" lang="en-AU" sz="2000" spc="-1" strike="noStrike">
               <a:solidFill>
@@ -8828,7 +8828,7 @@
         <p:spPr>
           <a:xfrm>
             <a:off x="817920" y="6433920"/>
-            <a:ext cx="6495840" cy="577080"/>
+            <a:ext cx="6495480" cy="577080"/>
           </a:xfrm>
           <a:prstGeom prst="rect">
             <a:avLst/>
@@ -8885,7 +8885,7 @@
         <p:spPr>
           <a:xfrm>
             <a:off x="874800" y="7119720"/>
-            <a:ext cx="6495840" cy="699480"/>
+            <a:ext cx="6495480" cy="699480"/>
           </a:xfrm>
           <a:prstGeom prst="rect">
             <a:avLst/>
@@ -8988,7 +8988,7 @@
         <p:spPr>
           <a:xfrm>
             <a:off x="896400" y="4833720"/>
-            <a:ext cx="6495840" cy="699480"/>
+            <a:ext cx="6495480" cy="699480"/>
           </a:xfrm>
           <a:prstGeom prst="rect">
             <a:avLst/>
@@ -9072,7 +9072,7 @@
         <p:spPr>
           <a:xfrm>
             <a:off x="3434400" y="1393200"/>
-            <a:ext cx="1263240" cy="2015640"/>
+            <a:ext cx="1262880" cy="2015280"/>
           </a:xfrm>
           <a:prstGeom prst="rect">
             <a:avLst/>
@@ -9124,8 +9124,8 @@
         </p:blipFill>
         <p:spPr>
           <a:xfrm rot="5400000">
-            <a:off x="-1114200" y="2058480"/>
-            <a:ext cx="10509120" cy="7114680"/>
+            <a:off x="-1113480" y="2058480"/>
+            <a:ext cx="10508760" cy="7114320"/>
           </a:xfrm>
           <a:prstGeom prst="rect">
             <a:avLst/>
@@ -9148,7 +9148,7 @@
         <p:spPr>
           <a:xfrm>
             <a:off x="712800" y="736920"/>
-            <a:ext cx="6701040" cy="9800640"/>
+            <a:ext cx="6700680" cy="9800280"/>
           </a:xfrm>
           <a:prstGeom prst="rect">
             <a:avLst/>
@@ -9171,8 +9171,8 @@
         </p:blipFill>
         <p:spPr>
           <a:xfrm rot="5400000">
-            <a:off x="-1502280" y="1473840"/>
-            <a:ext cx="11296440" cy="8276400"/>
+            <a:off x="-1501560" y="1473480"/>
+            <a:ext cx="11296080" cy="8276040"/>
           </a:xfrm>
           <a:prstGeom prst="rect">
             <a:avLst/>
@@ -9195,7 +9195,7 @@
         <p:spPr>
           <a:xfrm>
             <a:off x="1814400" y="8354520"/>
-            <a:ext cx="1440360" cy="1256400"/>
+            <a:ext cx="1440000" cy="1256040"/>
           </a:xfrm>
           <a:prstGeom prst="rect">
             <a:avLst/>
@@ -9214,7 +9214,7 @@
         <p:spPr>
           <a:xfrm>
             <a:off x="705600" y="3458520"/>
-            <a:ext cx="6722640" cy="577080"/>
+            <a:ext cx="6722280" cy="577080"/>
           </a:xfrm>
           <a:prstGeom prst="rect">
             <a:avLst/>
@@ -9271,7 +9271,7 @@
         <p:spPr>
           <a:xfrm>
             <a:off x="1454400" y="4124520"/>
-            <a:ext cx="5369040" cy="638280"/>
+            <a:ext cx="5368680" cy="638280"/>
           </a:xfrm>
           <a:prstGeom prst="rect">
             <a:avLst/>
@@ -9328,7 +9328,7 @@
         <p:spPr>
           <a:xfrm>
             <a:off x="2985840" y="8685000"/>
-            <a:ext cx="4279680" cy="591840"/>
+            <a:ext cx="4279320" cy="591840"/>
           </a:xfrm>
           <a:prstGeom prst="rect">
             <a:avLst/>
@@ -9411,7 +9411,7 @@
         <p:spPr>
           <a:xfrm>
             <a:off x="3542400" y="8210520"/>
-            <a:ext cx="3296880" cy="516240"/>
+            <a:ext cx="3296520" cy="516240"/>
           </a:xfrm>
           <a:prstGeom prst="rect">
             <a:avLst/>
@@ -9468,7 +9468,7 @@
         <p:spPr>
           <a:xfrm flipH="1">
             <a:off x="3722400" y="8696520"/>
-            <a:ext cx="2818080" cy="3960"/>
+            <a:ext cx="2818440" cy="4320"/>
           </a:xfrm>
           <a:prstGeom prst="straightConnector1">
             <a:avLst/>
@@ -9490,7 +9490,7 @@
         <p:spPr>
           <a:xfrm>
             <a:off x="885600" y="5668920"/>
-            <a:ext cx="6495840" cy="699480"/>
+            <a:ext cx="6495480" cy="699480"/>
           </a:xfrm>
           <a:prstGeom prst="rect">
             <a:avLst/>
@@ -9571,7 +9571,7 @@
         <p:spPr>
           <a:xfrm>
             <a:off x="3762000" y="1694520"/>
-            <a:ext cx="743040" cy="768240"/>
+            <a:ext cx="742680" cy="767880"/>
           </a:xfrm>
           <a:prstGeom prst="rect">
             <a:avLst/>
@@ -9590,7 +9590,7 @@
         <p:spPr>
           <a:xfrm>
             <a:off x="817920" y="6433920"/>
-            <a:ext cx="6495840" cy="577080"/>
+            <a:ext cx="6495480" cy="577080"/>
           </a:xfrm>
           <a:prstGeom prst="rect">
             <a:avLst/>
@@ -9647,7 +9647,7 @@
         <p:spPr>
           <a:xfrm>
             <a:off x="874800" y="7119720"/>
-            <a:ext cx="6495840" cy="394560"/>
+            <a:ext cx="6495480" cy="394560"/>
           </a:xfrm>
           <a:prstGeom prst="rect">
             <a:avLst/>
@@ -9734,7 +9734,7 @@
         <p:spPr>
           <a:xfrm>
             <a:off x="896400" y="4833720"/>
-            <a:ext cx="6495840" cy="699480"/>
+            <a:ext cx="6495480" cy="699480"/>
           </a:xfrm>
           <a:prstGeom prst="rect">
             <a:avLst/>
@@ -9818,7 +9818,7 @@
         <p:spPr>
           <a:xfrm>
             <a:off x="3870000" y="2770920"/>
-            <a:ext cx="527040" cy="548640"/>
+            <a:ext cx="526680" cy="548280"/>
           </a:xfrm>
           <a:prstGeom prst="rect">
             <a:avLst/>
@@ -9870,8 +9870,8 @@
         </p:blipFill>
         <p:spPr>
           <a:xfrm rot="5400000">
-            <a:off x="-1114200" y="2058480"/>
-            <a:ext cx="10509120" cy="7114680"/>
+            <a:off x="-1113480" y="2058480"/>
+            <a:ext cx="10508760" cy="7114320"/>
           </a:xfrm>
           <a:prstGeom prst="rect">
             <a:avLst/>
@@ -9894,7 +9894,7 @@
         <p:spPr>
           <a:xfrm>
             <a:off x="712800" y="736920"/>
-            <a:ext cx="6701040" cy="9800640"/>
+            <a:ext cx="6700680" cy="9800280"/>
           </a:xfrm>
           <a:prstGeom prst="rect">
             <a:avLst/>
@@ -9917,8 +9917,8 @@
         </p:blipFill>
         <p:spPr>
           <a:xfrm rot="5400000">
-            <a:off x="-1502280" y="1473840"/>
-            <a:ext cx="11296440" cy="8276400"/>
+            <a:off x="-1501560" y="1473480"/>
+            <a:ext cx="11296080" cy="8276040"/>
           </a:xfrm>
           <a:prstGeom prst="rect">
             <a:avLst/>
@@ -9941,7 +9941,7 @@
         <p:spPr>
           <a:xfrm>
             <a:off x="1814400" y="8354520"/>
-            <a:ext cx="1440360" cy="1256400"/>
+            <a:ext cx="1440000" cy="1256040"/>
           </a:xfrm>
           <a:prstGeom prst="rect">
             <a:avLst/>
@@ -9960,7 +9960,7 @@
         <p:spPr>
           <a:xfrm>
             <a:off x="705600" y="3458520"/>
-            <a:ext cx="6722640" cy="577080"/>
+            <a:ext cx="6722280" cy="577080"/>
           </a:xfrm>
           <a:prstGeom prst="rect">
             <a:avLst/>
@@ -10017,7 +10017,7 @@
         <p:spPr>
           <a:xfrm>
             <a:off x="1454400" y="4124520"/>
-            <a:ext cx="5369040" cy="638280"/>
+            <a:ext cx="5368680" cy="638280"/>
           </a:xfrm>
           <a:prstGeom prst="rect">
             <a:avLst/>
@@ -10074,7 +10074,7 @@
         <p:spPr>
           <a:xfrm>
             <a:off x="2985840" y="8685000"/>
-            <a:ext cx="4279680" cy="591840"/>
+            <a:ext cx="4279320" cy="591840"/>
           </a:xfrm>
           <a:prstGeom prst="rect">
             <a:avLst/>
@@ -10157,7 +10157,7 @@
         <p:spPr>
           <a:xfrm>
             <a:off x="3600000" y="8210520"/>
-            <a:ext cx="3296880" cy="516240"/>
+            <a:ext cx="3296520" cy="516240"/>
           </a:xfrm>
           <a:prstGeom prst="rect">
             <a:avLst/>
@@ -10214,7 +10214,7 @@
         <p:spPr>
           <a:xfrm flipH="1">
             <a:off x="3722400" y="8696520"/>
-            <a:ext cx="2818080" cy="3960"/>
+            <a:ext cx="2818440" cy="4320"/>
           </a:xfrm>
           <a:prstGeom prst="straightConnector1">
             <a:avLst/>
@@ -10236,7 +10236,7 @@
         <p:spPr>
           <a:xfrm>
             <a:off x="885600" y="5668920"/>
-            <a:ext cx="6495840" cy="699480"/>
+            <a:ext cx="6495480" cy="699480"/>
           </a:xfrm>
           <a:prstGeom prst="rect">
             <a:avLst/>
@@ -10337,7 +10337,7 @@
         <p:spPr>
           <a:xfrm>
             <a:off x="3344400" y="1418400"/>
-            <a:ext cx="1589760" cy="1640160"/>
+            <a:ext cx="1589400" cy="1639800"/>
           </a:xfrm>
           <a:prstGeom prst="rect">
             <a:avLst/>
@@ -10356,7 +10356,7 @@
         <p:spPr>
           <a:xfrm>
             <a:off x="817920" y="6433920"/>
-            <a:ext cx="6495840" cy="577080"/>
+            <a:ext cx="6495480" cy="577080"/>
           </a:xfrm>
           <a:prstGeom prst="rect">
             <a:avLst/>
@@ -10413,7 +10413,7 @@
         <p:spPr>
           <a:xfrm>
             <a:off x="874800" y="7119720"/>
-            <a:ext cx="6495840" cy="394560"/>
+            <a:ext cx="6495480" cy="394560"/>
           </a:xfrm>
           <a:prstGeom prst="rect">
             <a:avLst/>
@@ -10500,7 +10500,7 @@
         <p:spPr>
           <a:xfrm>
             <a:off x="896400" y="4833720"/>
-            <a:ext cx="6495840" cy="699480"/>
+            <a:ext cx="6495480" cy="699480"/>
           </a:xfrm>
           <a:prstGeom prst="rect">
             <a:avLst/>
@@ -10613,8 +10613,8 @@
         </p:blipFill>
         <p:spPr>
           <a:xfrm rot="5400000">
-            <a:off x="-1114200" y="2058480"/>
-            <a:ext cx="10509120" cy="7114680"/>
+            <a:off x="-1113480" y="2058480"/>
+            <a:ext cx="10508760" cy="7114320"/>
           </a:xfrm>
           <a:prstGeom prst="rect">
             <a:avLst/>
@@ -10637,7 +10637,7 @@
         <p:spPr>
           <a:xfrm>
             <a:off x="712800" y="736920"/>
-            <a:ext cx="6701040" cy="9800640"/>
+            <a:ext cx="6700680" cy="9800280"/>
           </a:xfrm>
           <a:prstGeom prst="rect">
             <a:avLst/>
@@ -10660,8 +10660,8 @@
         </p:blipFill>
         <p:spPr>
           <a:xfrm rot="5400000">
-            <a:off x="-1502280" y="1473840"/>
-            <a:ext cx="11296440" cy="8276400"/>
+            <a:off x="-1501560" y="1473480"/>
+            <a:ext cx="11296080" cy="8276040"/>
           </a:xfrm>
           <a:prstGeom prst="rect">
             <a:avLst/>
@@ -10684,7 +10684,7 @@
         <p:spPr>
           <a:xfrm>
             <a:off x="1814400" y="8354520"/>
-            <a:ext cx="1440360" cy="1256400"/>
+            <a:ext cx="1440000" cy="1256040"/>
           </a:xfrm>
           <a:prstGeom prst="rect">
             <a:avLst/>
@@ -10703,7 +10703,7 @@
         <p:spPr>
           <a:xfrm>
             <a:off x="705600" y="3458520"/>
-            <a:ext cx="6722640" cy="577080"/>
+            <a:ext cx="6722280" cy="577080"/>
           </a:xfrm>
           <a:prstGeom prst="rect">
             <a:avLst/>
@@ -10760,7 +10760,7 @@
         <p:spPr>
           <a:xfrm>
             <a:off x="1454400" y="4124520"/>
-            <a:ext cx="5369040" cy="638280"/>
+            <a:ext cx="5368680" cy="638280"/>
           </a:xfrm>
           <a:prstGeom prst="rect">
             <a:avLst/>
@@ -10817,7 +10817,7 @@
         <p:spPr>
           <a:xfrm>
             <a:off x="2985840" y="8685000"/>
-            <a:ext cx="4279680" cy="591840"/>
+            <a:ext cx="4279320" cy="591840"/>
           </a:xfrm>
           <a:prstGeom prst="rect">
             <a:avLst/>
@@ -10910,7 +10910,7 @@
         <p:spPr>
           <a:xfrm>
             <a:off x="3722400" y="8210520"/>
-            <a:ext cx="2936880" cy="516240"/>
+            <a:ext cx="2936520" cy="516240"/>
           </a:xfrm>
           <a:prstGeom prst="rect">
             <a:avLst/>
@@ -10967,7 +10967,7 @@
         <p:spPr>
           <a:xfrm flipH="1">
             <a:off x="3722400" y="8696520"/>
-            <a:ext cx="2818080" cy="3960"/>
+            <a:ext cx="2818440" cy="4320"/>
           </a:xfrm>
           <a:prstGeom prst="straightConnector1">
             <a:avLst/>
@@ -10989,7 +10989,7 @@
         <p:spPr>
           <a:xfrm>
             <a:off x="885600" y="5668920"/>
-            <a:ext cx="6495840" cy="699480"/>
+            <a:ext cx="6495480" cy="699480"/>
           </a:xfrm>
           <a:prstGeom prst="rect">
             <a:avLst/>
@@ -11066,7 +11066,7 @@
                 <a:latin typeface="Times New Roman"/>
                 <a:ea typeface="Times New Roman"/>
               </a:rPr>
-              <a:t> Commanding Officer, Australian Special Operations Taskforce, hereby promote</a:t>
+              <a:t> Officer Commanding, Australian Special Operations Taskforce, hereby promote</a:t>
             </a:r>
             <a:endParaRPr b="0" lang="en-AU" sz="2000" spc="-1" strike="noStrike">
               <a:solidFill>
@@ -11086,7 +11086,7 @@
         <p:spPr>
           <a:xfrm>
             <a:off x="817920" y="6433920"/>
-            <a:ext cx="6495840" cy="577080"/>
+            <a:ext cx="6495480" cy="577080"/>
           </a:xfrm>
           <a:prstGeom prst="rect">
             <a:avLst/>
@@ -11143,7 +11143,7 @@
         <p:spPr>
           <a:xfrm>
             <a:off x="874800" y="7119720"/>
-            <a:ext cx="6495840" cy="394560"/>
+            <a:ext cx="6495480" cy="394560"/>
           </a:xfrm>
           <a:prstGeom prst="rect">
             <a:avLst/>
@@ -11230,7 +11230,7 @@
         <p:spPr>
           <a:xfrm>
             <a:off x="896400" y="4833720"/>
-            <a:ext cx="6495840" cy="699480"/>
+            <a:ext cx="6495480" cy="699480"/>
           </a:xfrm>
           <a:prstGeom prst="rect">
             <a:avLst/>
@@ -11314,7 +11314,7 @@
         <p:spPr>
           <a:xfrm>
             <a:off x="3808800" y="1944000"/>
-            <a:ext cx="527040" cy="548640"/>
+            <a:ext cx="526680" cy="548280"/>
           </a:xfrm>
           <a:prstGeom prst="rect">
             <a:avLst/>
@@ -11337,7 +11337,7 @@
         <p:spPr>
           <a:xfrm>
             <a:off x="3808800" y="1378800"/>
-            <a:ext cx="527040" cy="548640"/>
+            <a:ext cx="526680" cy="548280"/>
           </a:xfrm>
           <a:prstGeom prst="rect">
             <a:avLst/>
@@ -11360,7 +11360,7 @@
         <p:spPr>
           <a:xfrm>
             <a:off x="3808800" y="2505600"/>
-            <a:ext cx="527040" cy="548640"/>
+            <a:ext cx="526680" cy="548280"/>
           </a:xfrm>
           <a:prstGeom prst="rect">
             <a:avLst/>
@@ -11412,8 +11412,8 @@
         </p:blipFill>
         <p:spPr>
           <a:xfrm rot="5400000">
-            <a:off x="-1114200" y="2058480"/>
-            <a:ext cx="10509120" cy="7114680"/>
+            <a:off x="-1113480" y="2058480"/>
+            <a:ext cx="10508760" cy="7114320"/>
           </a:xfrm>
           <a:prstGeom prst="rect">
             <a:avLst/>
@@ -11436,7 +11436,7 @@
         <p:spPr>
           <a:xfrm>
             <a:off x="712800" y="736920"/>
-            <a:ext cx="6701040" cy="9800640"/>
+            <a:ext cx="6700680" cy="9800280"/>
           </a:xfrm>
           <a:prstGeom prst="rect">
             <a:avLst/>
@@ -11459,8 +11459,8 @@
         </p:blipFill>
         <p:spPr>
           <a:xfrm rot="5400000">
-            <a:off x="-1502280" y="1473840"/>
-            <a:ext cx="11296440" cy="8276400"/>
+            <a:off x="-1501560" y="1473480"/>
+            <a:ext cx="11296080" cy="8276040"/>
           </a:xfrm>
           <a:prstGeom prst="rect">
             <a:avLst/>
@@ -11483,7 +11483,7 @@
         <p:spPr>
           <a:xfrm>
             <a:off x="1814400" y="8354520"/>
-            <a:ext cx="1440360" cy="1256400"/>
+            <a:ext cx="1440000" cy="1256040"/>
           </a:xfrm>
           <a:prstGeom prst="rect">
             <a:avLst/>
@@ -11502,7 +11502,7 @@
         <p:spPr>
           <a:xfrm>
             <a:off x="705600" y="3494520"/>
-            <a:ext cx="6722640" cy="577080"/>
+            <a:ext cx="6722280" cy="577080"/>
           </a:xfrm>
           <a:prstGeom prst="rect">
             <a:avLst/>
@@ -11559,7 +11559,7 @@
         <p:spPr>
           <a:xfrm>
             <a:off x="1454400" y="4124520"/>
-            <a:ext cx="5369040" cy="638280"/>
+            <a:ext cx="5368680" cy="638280"/>
           </a:xfrm>
           <a:prstGeom prst="rect">
             <a:avLst/>
@@ -11616,7 +11616,7 @@
         <p:spPr>
           <a:xfrm>
             <a:off x="2985840" y="8685000"/>
-            <a:ext cx="4279680" cy="591840"/>
+            <a:ext cx="4279320" cy="591840"/>
           </a:xfrm>
           <a:prstGeom prst="rect">
             <a:avLst/>
@@ -11709,7 +11709,7 @@
         <p:spPr>
           <a:xfrm>
             <a:off x="3722400" y="8210520"/>
-            <a:ext cx="3116880" cy="516240"/>
+            <a:ext cx="3116520" cy="516240"/>
           </a:xfrm>
           <a:prstGeom prst="rect">
             <a:avLst/>
@@ -11766,7 +11766,7 @@
         <p:spPr>
           <a:xfrm flipH="1">
             <a:off x="3722400" y="8696520"/>
-            <a:ext cx="2818080" cy="3960"/>
+            <a:ext cx="2818440" cy="4320"/>
           </a:xfrm>
           <a:prstGeom prst="straightConnector1">
             <a:avLst/>
@@ -11788,7 +11788,7 @@
         <p:spPr>
           <a:xfrm>
             <a:off x="885600" y="5668920"/>
-            <a:ext cx="6495840" cy="699480"/>
+            <a:ext cx="6495480" cy="699480"/>
           </a:xfrm>
           <a:prstGeom prst="rect">
             <a:avLst/>
@@ -11865,7 +11865,7 @@
                 <a:latin typeface="Times New Roman"/>
                 <a:ea typeface="Times New Roman"/>
               </a:rPr>
-              <a:t> Commanding Officer, Australian Special Operations Taskforce, hereby promote</a:t>
+              <a:t> Officer Commanding, Australian Special Operations Taskforce, hereby promote</a:t>
             </a:r>
             <a:endParaRPr b="0" lang="en-AU" sz="2000" spc="-1" strike="noStrike">
               <a:solidFill>
@@ -11885,7 +11885,7 @@
         <p:spPr>
           <a:xfrm>
             <a:off x="817920" y="6433920"/>
-            <a:ext cx="6495840" cy="577080"/>
+            <a:ext cx="6495480" cy="577080"/>
           </a:xfrm>
           <a:prstGeom prst="rect">
             <a:avLst/>
@@ -11942,7 +11942,7 @@
         <p:spPr>
           <a:xfrm>
             <a:off x="874800" y="7119720"/>
-            <a:ext cx="6495840" cy="394560"/>
+            <a:ext cx="6495480" cy="394560"/>
           </a:xfrm>
           <a:prstGeom prst="rect">
             <a:avLst/>
@@ -12029,7 +12029,7 @@
         <p:spPr>
           <a:xfrm>
             <a:off x="896400" y="4833720"/>
-            <a:ext cx="6495840" cy="699480"/>
+            <a:ext cx="6495480" cy="699480"/>
           </a:xfrm>
           <a:prstGeom prst="rect">
             <a:avLst/>
@@ -12113,7 +12113,7 @@
         <p:spPr>
           <a:xfrm>
             <a:off x="3632400" y="2408400"/>
-            <a:ext cx="866160" cy="902160"/>
+            <a:ext cx="865800" cy="901800"/>
           </a:xfrm>
           <a:prstGeom prst="rect">
             <a:avLst/>
@@ -12136,7 +12136,7 @@
         <p:spPr>
           <a:xfrm>
             <a:off x="3632400" y="1382400"/>
-            <a:ext cx="866160" cy="902160"/>
+            <a:ext cx="865800" cy="901800"/>
           </a:xfrm>
           <a:prstGeom prst="rect">
             <a:avLst/>
@@ -12188,8 +12188,8 @@
         </p:blipFill>
         <p:spPr>
           <a:xfrm rot="5400000">
-            <a:off x="-1114200" y="2058480"/>
-            <a:ext cx="10509120" cy="7114680"/>
+            <a:off x="-1113480" y="2058480"/>
+            <a:ext cx="10508760" cy="7114320"/>
           </a:xfrm>
           <a:prstGeom prst="rect">
             <a:avLst/>
@@ -12212,7 +12212,7 @@
         <p:spPr>
           <a:xfrm>
             <a:off x="712800" y="723600"/>
-            <a:ext cx="6701040" cy="9800640"/>
+            <a:ext cx="6700680" cy="9800280"/>
           </a:xfrm>
           <a:prstGeom prst="rect">
             <a:avLst/>
@@ -12235,8 +12235,8 @@
         </p:blipFill>
         <p:spPr>
           <a:xfrm rot="5400000">
-            <a:off x="-1502280" y="1473840"/>
-            <a:ext cx="11296440" cy="8276400"/>
+            <a:off x="-1501560" y="1473480"/>
+            <a:ext cx="11296080" cy="8276040"/>
           </a:xfrm>
           <a:prstGeom prst="rect">
             <a:avLst/>
@@ -12259,7 +12259,7 @@
         <p:spPr>
           <a:xfrm>
             <a:off x="1814400" y="8354520"/>
-            <a:ext cx="1440360" cy="1256400"/>
+            <a:ext cx="1440000" cy="1256040"/>
           </a:xfrm>
           <a:prstGeom prst="rect">
             <a:avLst/>
@@ -12278,7 +12278,7 @@
         <p:spPr>
           <a:xfrm>
             <a:off x="705600" y="3553200"/>
-            <a:ext cx="6723360" cy="577080"/>
+            <a:ext cx="6723000" cy="577080"/>
           </a:xfrm>
           <a:prstGeom prst="rect">
             <a:avLst/>
@@ -12335,7 +12335,7 @@
         <p:spPr>
           <a:xfrm>
             <a:off x="1454400" y="4124520"/>
-            <a:ext cx="5369040" cy="638280"/>
+            <a:ext cx="5368680" cy="638280"/>
           </a:xfrm>
           <a:prstGeom prst="rect">
             <a:avLst/>
@@ -12392,7 +12392,7 @@
         <p:spPr>
           <a:xfrm>
             <a:off x="2985840" y="8685000"/>
-            <a:ext cx="4279680" cy="591840"/>
+            <a:ext cx="4279320" cy="591840"/>
           </a:xfrm>
           <a:prstGeom prst="rect">
             <a:avLst/>
@@ -12485,7 +12485,7 @@
         <p:spPr>
           <a:xfrm>
             <a:off x="3722400" y="8210520"/>
-            <a:ext cx="3116880" cy="516240"/>
+            <a:ext cx="3116520" cy="516240"/>
           </a:xfrm>
           <a:prstGeom prst="rect">
             <a:avLst/>
@@ -12542,7 +12542,7 @@
         <p:spPr>
           <a:xfrm flipH="1">
             <a:off x="3722400" y="8696520"/>
-            <a:ext cx="2818080" cy="3960"/>
+            <a:ext cx="2818440" cy="4320"/>
           </a:xfrm>
           <a:prstGeom prst="straightConnector1">
             <a:avLst/>
@@ -12564,7 +12564,7 @@
         <p:spPr>
           <a:xfrm>
             <a:off x="885600" y="5668920"/>
-            <a:ext cx="6495840" cy="699480"/>
+            <a:ext cx="6495480" cy="699480"/>
           </a:xfrm>
           <a:prstGeom prst="rect">
             <a:avLst/>
@@ -12641,7 +12641,7 @@
                 <a:latin typeface="Times New Roman"/>
                 <a:ea typeface="Times New Roman"/>
               </a:rPr>
-              <a:t> Commanding Officer, Australian Special Operations Taskforce, hereby promote</a:t>
+              <a:t> Officer Commanding, Australian Special Operations Taskforce, hereby promote</a:t>
             </a:r>
             <a:endParaRPr b="0" lang="en-AU" sz="2000" spc="-1" strike="noStrike">
               <a:solidFill>
@@ -12661,7 +12661,7 @@
         <p:spPr>
           <a:xfrm>
             <a:off x="817920" y="6433920"/>
-            <a:ext cx="6495840" cy="577080"/>
+            <a:ext cx="6495480" cy="577080"/>
           </a:xfrm>
           <a:prstGeom prst="rect">
             <a:avLst/>
@@ -12718,7 +12718,7 @@
         <p:spPr>
           <a:xfrm>
             <a:off x="874800" y="7119720"/>
-            <a:ext cx="6495840" cy="699480"/>
+            <a:ext cx="6495480" cy="699480"/>
           </a:xfrm>
           <a:prstGeom prst="rect">
             <a:avLst/>
@@ -12821,7 +12821,7 @@
         <p:spPr>
           <a:xfrm>
             <a:off x="896400" y="4833720"/>
-            <a:ext cx="6495840" cy="699480"/>
+            <a:ext cx="6495480" cy="699480"/>
           </a:xfrm>
           <a:prstGeom prst="rect">
             <a:avLst/>
@@ -12905,7 +12905,7 @@
         <p:spPr>
           <a:xfrm>
             <a:off x="3434760" y="1394640"/>
-            <a:ext cx="1262160" cy="2014560"/>
+            <a:ext cx="1261800" cy="2014200"/>
           </a:xfrm>
           <a:prstGeom prst="rect">
             <a:avLst/>
@@ -12957,8 +12957,8 @@
         </p:blipFill>
         <p:spPr>
           <a:xfrm rot="5400000">
-            <a:off x="-1114200" y="2058480"/>
-            <a:ext cx="10509120" cy="7114680"/>
+            <a:off x="-1113480" y="2058480"/>
+            <a:ext cx="10508760" cy="7114320"/>
           </a:xfrm>
           <a:prstGeom prst="rect">
             <a:avLst/>
@@ -12981,7 +12981,7 @@
         <p:spPr>
           <a:xfrm>
             <a:off x="712800" y="723600"/>
-            <a:ext cx="6701040" cy="9800640"/>
+            <a:ext cx="6700680" cy="9800280"/>
           </a:xfrm>
           <a:prstGeom prst="rect">
             <a:avLst/>
@@ -13004,8 +13004,8 @@
         </p:blipFill>
         <p:spPr>
           <a:xfrm rot="5400000">
-            <a:off x="-1502280" y="1473840"/>
-            <a:ext cx="11296440" cy="8276400"/>
+            <a:off x="-1501560" y="1473480"/>
+            <a:ext cx="11296080" cy="8276040"/>
           </a:xfrm>
           <a:prstGeom prst="rect">
             <a:avLst/>
@@ -13028,7 +13028,7 @@
         <p:spPr>
           <a:xfrm>
             <a:off x="1814400" y="8354520"/>
-            <a:ext cx="1440360" cy="1256400"/>
+            <a:ext cx="1440000" cy="1256040"/>
           </a:xfrm>
           <a:prstGeom prst="rect">
             <a:avLst/>
@@ -13047,7 +13047,7 @@
         <p:spPr>
           <a:xfrm>
             <a:off x="705600" y="3553200"/>
-            <a:ext cx="6723360" cy="577080"/>
+            <a:ext cx="6723000" cy="577080"/>
           </a:xfrm>
           <a:prstGeom prst="rect">
             <a:avLst/>
@@ -13104,7 +13104,7 @@
         <p:spPr>
           <a:xfrm>
             <a:off x="1454400" y="4124520"/>
-            <a:ext cx="5369040" cy="638280"/>
+            <a:ext cx="5368680" cy="638280"/>
           </a:xfrm>
           <a:prstGeom prst="rect">
             <a:avLst/>
@@ -13161,7 +13161,7 @@
         <p:spPr>
           <a:xfrm>
             <a:off x="2985840" y="8685000"/>
-            <a:ext cx="4279680" cy="591840"/>
+            <a:ext cx="4279320" cy="591840"/>
           </a:xfrm>
           <a:prstGeom prst="rect">
             <a:avLst/>
@@ -13254,7 +13254,7 @@
         <p:spPr>
           <a:xfrm>
             <a:off x="3722400" y="8210520"/>
-            <a:ext cx="3116880" cy="516240"/>
+            <a:ext cx="3116520" cy="516240"/>
           </a:xfrm>
           <a:prstGeom prst="rect">
             <a:avLst/>
@@ -13311,7 +13311,7 @@
         <p:spPr>
           <a:xfrm flipH="1">
             <a:off x="3722400" y="8696520"/>
-            <a:ext cx="2818080" cy="3960"/>
+            <a:ext cx="2818440" cy="4320"/>
           </a:xfrm>
           <a:prstGeom prst="straightConnector1">
             <a:avLst/>
@@ -13333,7 +13333,7 @@
         <p:spPr>
           <a:xfrm>
             <a:off x="885600" y="5668920"/>
-            <a:ext cx="6495840" cy="699480"/>
+            <a:ext cx="6495480" cy="699480"/>
           </a:xfrm>
           <a:prstGeom prst="rect">
             <a:avLst/>
@@ -13410,7 +13410,7 @@
                 <a:latin typeface="Times New Roman"/>
                 <a:ea typeface="Times New Roman"/>
               </a:rPr>
-              <a:t> Commanding Officer, Australian Special Operations Taskforce, hereby promote</a:t>
+              <a:t> Officer Commanding, Australian Special Operations Taskforce, hereby promote</a:t>
             </a:r>
             <a:endParaRPr b="0" lang="en-AU" sz="2000" spc="-1" strike="noStrike">
               <a:solidFill>
@@ -13430,7 +13430,7 @@
         <p:spPr>
           <a:xfrm>
             <a:off x="817920" y="6433920"/>
-            <a:ext cx="6495840" cy="577080"/>
+            <a:ext cx="6495480" cy="577080"/>
           </a:xfrm>
           <a:prstGeom prst="rect">
             <a:avLst/>
@@ -13487,7 +13487,7 @@
         <p:spPr>
           <a:xfrm>
             <a:off x="874800" y="7119720"/>
-            <a:ext cx="6495840" cy="699480"/>
+            <a:ext cx="6495480" cy="699480"/>
           </a:xfrm>
           <a:prstGeom prst="rect">
             <a:avLst/>
@@ -13590,7 +13590,7 @@
         <p:spPr>
           <a:xfrm>
             <a:off x="896400" y="4833720"/>
-            <a:ext cx="6495840" cy="699480"/>
+            <a:ext cx="6495480" cy="699480"/>
           </a:xfrm>
           <a:prstGeom prst="rect">
             <a:avLst/>
@@ -13674,7 +13674,7 @@
         <p:spPr>
           <a:xfrm>
             <a:off x="3432600" y="1385640"/>
-            <a:ext cx="1263960" cy="2017800"/>
+            <a:ext cx="1263600" cy="2017440"/>
           </a:xfrm>
           <a:prstGeom prst="rect">
             <a:avLst/>
@@ -13726,8 +13726,8 @@
         </p:blipFill>
         <p:spPr>
           <a:xfrm rot="5400000">
-            <a:off x="-1114200" y="2058480"/>
-            <a:ext cx="10509120" cy="7114680"/>
+            <a:off x="-1113480" y="2058480"/>
+            <a:ext cx="10508760" cy="7114320"/>
           </a:xfrm>
           <a:prstGeom prst="rect">
             <a:avLst/>
@@ -13750,7 +13750,7 @@
         <p:spPr>
           <a:xfrm>
             <a:off x="712800" y="723600"/>
-            <a:ext cx="6701040" cy="9800640"/>
+            <a:ext cx="6700680" cy="9800280"/>
           </a:xfrm>
           <a:prstGeom prst="rect">
             <a:avLst/>
@@ -13773,8 +13773,8 @@
         </p:blipFill>
         <p:spPr>
           <a:xfrm rot="5400000">
-            <a:off x="-1502280" y="1473840"/>
-            <a:ext cx="11296440" cy="8276400"/>
+            <a:off x="-1501560" y="1473480"/>
+            <a:ext cx="11296080" cy="8276040"/>
           </a:xfrm>
           <a:prstGeom prst="rect">
             <a:avLst/>
@@ -13797,7 +13797,7 @@
         <p:spPr>
           <a:xfrm>
             <a:off x="1814400" y="8354520"/>
-            <a:ext cx="1440360" cy="1256400"/>
+            <a:ext cx="1440000" cy="1256040"/>
           </a:xfrm>
           <a:prstGeom prst="rect">
             <a:avLst/>
@@ -13816,7 +13816,7 @@
         <p:spPr>
           <a:xfrm>
             <a:off x="705600" y="3553200"/>
-            <a:ext cx="6723360" cy="577080"/>
+            <a:ext cx="6723000" cy="577080"/>
           </a:xfrm>
           <a:prstGeom prst="rect">
             <a:avLst/>
@@ -13873,7 +13873,7 @@
         <p:spPr>
           <a:xfrm>
             <a:off x="1454400" y="4124520"/>
-            <a:ext cx="5369040" cy="638280"/>
+            <a:ext cx="5368680" cy="638280"/>
           </a:xfrm>
           <a:prstGeom prst="rect">
             <a:avLst/>
@@ -13930,7 +13930,7 @@
         <p:spPr>
           <a:xfrm>
             <a:off x="2985840" y="8685000"/>
-            <a:ext cx="4279680" cy="591840"/>
+            <a:ext cx="4279320" cy="591840"/>
           </a:xfrm>
           <a:prstGeom prst="rect">
             <a:avLst/>
@@ -14023,7 +14023,7 @@
         <p:spPr>
           <a:xfrm>
             <a:off x="3722400" y="8210520"/>
-            <a:ext cx="3116880" cy="516240"/>
+            <a:ext cx="3116520" cy="516240"/>
           </a:xfrm>
           <a:prstGeom prst="rect">
             <a:avLst/>
@@ -14080,7 +14080,7 @@
         <p:spPr>
           <a:xfrm flipH="1">
             <a:off x="3722400" y="8696520"/>
-            <a:ext cx="2818080" cy="3960"/>
+            <a:ext cx="2818440" cy="4320"/>
           </a:xfrm>
           <a:prstGeom prst="straightConnector1">
             <a:avLst/>
@@ -14102,7 +14102,7 @@
         <p:spPr>
           <a:xfrm>
             <a:off x="885600" y="5668920"/>
-            <a:ext cx="6495840" cy="699480"/>
+            <a:ext cx="6495480" cy="699480"/>
           </a:xfrm>
           <a:prstGeom prst="rect">
             <a:avLst/>
@@ -14179,7 +14179,7 @@
                 <a:latin typeface="Times New Roman"/>
                 <a:ea typeface="Times New Roman"/>
               </a:rPr>
-              <a:t> Commanding Officer, Australian Special Operations Taskforce, hereby promote</a:t>
+              <a:t> Officer Commanding, Australian Special Operations Taskforce, hereby promote</a:t>
             </a:r>
             <a:endParaRPr b="0" lang="en-AU" sz="2000" spc="-1" strike="noStrike">
               <a:solidFill>
@@ -14199,7 +14199,7 @@
         <p:spPr>
           <a:xfrm>
             <a:off x="817920" y="6433920"/>
-            <a:ext cx="6495840" cy="577080"/>
+            <a:ext cx="6495480" cy="577080"/>
           </a:xfrm>
           <a:prstGeom prst="rect">
             <a:avLst/>
@@ -14256,7 +14256,7 @@
         <p:spPr>
           <a:xfrm>
             <a:off x="874800" y="7119720"/>
-            <a:ext cx="6495840" cy="699480"/>
+            <a:ext cx="6495480" cy="699480"/>
           </a:xfrm>
           <a:prstGeom prst="rect">
             <a:avLst/>
@@ -14359,7 +14359,7 @@
         <p:spPr>
           <a:xfrm>
             <a:off x="896400" y="4833720"/>
-            <a:ext cx="6495840" cy="699480"/>
+            <a:ext cx="6495480" cy="699480"/>
           </a:xfrm>
           <a:prstGeom prst="rect">
             <a:avLst/>
@@ -14443,7 +14443,7 @@
         <p:spPr>
           <a:xfrm>
             <a:off x="3432600" y="1317600"/>
-            <a:ext cx="1263960" cy="2017800"/>
+            <a:ext cx="1263600" cy="2017440"/>
           </a:xfrm>
           <a:prstGeom prst="rect">
             <a:avLst/>
@@ -14495,8 +14495,8 @@
         </p:blipFill>
         <p:spPr>
           <a:xfrm rot="5400000">
-            <a:off x="-1114200" y="2058480"/>
-            <a:ext cx="10509120" cy="7114680"/>
+            <a:off x="-1113480" y="2058480"/>
+            <a:ext cx="10508760" cy="7114320"/>
           </a:xfrm>
           <a:prstGeom prst="rect">
             <a:avLst/>
@@ -14519,7 +14519,7 @@
         <p:spPr>
           <a:xfrm>
             <a:off x="712800" y="723600"/>
-            <a:ext cx="6701040" cy="9800640"/>
+            <a:ext cx="6700680" cy="9800280"/>
           </a:xfrm>
           <a:prstGeom prst="rect">
             <a:avLst/>
@@ -14542,8 +14542,8 @@
         </p:blipFill>
         <p:spPr>
           <a:xfrm rot="5400000">
-            <a:off x="-1502280" y="1473840"/>
-            <a:ext cx="11296440" cy="8276400"/>
+            <a:off x="-1501560" y="1473480"/>
+            <a:ext cx="11296080" cy="8276040"/>
           </a:xfrm>
           <a:prstGeom prst="rect">
             <a:avLst/>
@@ -14566,7 +14566,7 @@
         <p:spPr>
           <a:xfrm>
             <a:off x="1814400" y="8354520"/>
-            <a:ext cx="1440360" cy="1256400"/>
+            <a:ext cx="1440000" cy="1256040"/>
           </a:xfrm>
           <a:prstGeom prst="rect">
             <a:avLst/>
@@ -14585,7 +14585,7 @@
         <p:spPr>
           <a:xfrm>
             <a:off x="705600" y="3553200"/>
-            <a:ext cx="6723360" cy="577080"/>
+            <a:ext cx="6723000" cy="577080"/>
           </a:xfrm>
           <a:prstGeom prst="rect">
             <a:avLst/>
@@ -14642,7 +14642,7 @@
         <p:spPr>
           <a:xfrm>
             <a:off x="1454400" y="4124520"/>
-            <a:ext cx="5369040" cy="638280"/>
+            <a:ext cx="5368680" cy="638280"/>
           </a:xfrm>
           <a:prstGeom prst="rect">
             <a:avLst/>
@@ -14699,7 +14699,7 @@
         <p:spPr>
           <a:xfrm>
             <a:off x="2985840" y="8685000"/>
-            <a:ext cx="4279680" cy="591840"/>
+            <a:ext cx="4279320" cy="591840"/>
           </a:xfrm>
           <a:prstGeom prst="rect">
             <a:avLst/>
@@ -14792,7 +14792,7 @@
         <p:spPr>
           <a:xfrm>
             <a:off x="3722400" y="8210520"/>
-            <a:ext cx="3116880" cy="942840"/>
+            <a:ext cx="3116520" cy="942840"/>
           </a:xfrm>
           <a:prstGeom prst="rect">
             <a:avLst/>
@@ -14865,7 +14865,7 @@
         <p:spPr>
           <a:xfrm flipH="1">
             <a:off x="3722400" y="8696520"/>
-            <a:ext cx="2818080" cy="3960"/>
+            <a:ext cx="2818440" cy="4320"/>
           </a:xfrm>
           <a:prstGeom prst="straightConnector1">
             <a:avLst/>
@@ -14887,7 +14887,7 @@
         <p:spPr>
           <a:xfrm>
             <a:off x="885600" y="5668920"/>
-            <a:ext cx="6495840" cy="699480"/>
+            <a:ext cx="6495480" cy="699480"/>
           </a:xfrm>
           <a:prstGeom prst="rect">
             <a:avLst/>
@@ -14964,7 +14964,7 @@
                 <a:latin typeface="Times New Roman"/>
                 <a:ea typeface="Times New Roman"/>
               </a:rPr>
-              <a:t> Commanding Officer, Australian Special Operations Taskforce, hereby promote</a:t>
+              <a:t> Officer Commanding, Australian Special Operations Taskforce, hereby promote</a:t>
             </a:r>
             <a:endParaRPr b="0" lang="en-AU" sz="2000" spc="-1" strike="noStrike">
               <a:solidFill>
@@ -14984,7 +14984,7 @@
         <p:spPr>
           <a:xfrm>
             <a:off x="817920" y="6433920"/>
-            <a:ext cx="6495840" cy="577080"/>
+            <a:ext cx="6495480" cy="577080"/>
           </a:xfrm>
           <a:prstGeom prst="rect">
             <a:avLst/>
@@ -15041,7 +15041,7 @@
         <p:spPr>
           <a:xfrm>
             <a:off x="874800" y="7119720"/>
-            <a:ext cx="6495840" cy="699480"/>
+            <a:ext cx="6495480" cy="699480"/>
           </a:xfrm>
           <a:prstGeom prst="rect">
             <a:avLst/>
@@ -15144,7 +15144,7 @@
         <p:spPr>
           <a:xfrm>
             <a:off x="896400" y="4833720"/>
-            <a:ext cx="6495840" cy="699480"/>
+            <a:ext cx="6495480" cy="699480"/>
           </a:xfrm>
           <a:prstGeom prst="rect">
             <a:avLst/>
@@ -15228,7 +15228,7 @@
         <p:spPr>
           <a:xfrm>
             <a:off x="3081600" y="1530000"/>
-            <a:ext cx="1955520" cy="1511280"/>
+            <a:ext cx="1955160" cy="1510920"/>
           </a:xfrm>
           <a:prstGeom prst="rect">
             <a:avLst/>
